--- a/MemoryCard/Assets/Presentation1.pptx
+++ b/MemoryCard/Assets/Presentation1.pptx
@@ -4,8 +4,12 @@
   <p:sldMasterIdLst>
     <p:sldMasterId id="2147483648" r:id="rId1"/>
   </p:sldMasterIdLst>
+  <p:notesMasterIdLst>
+    <p:notesMasterId r:id="rId4"/>
+  </p:notesMasterIdLst>
   <p:sldIdLst>
     <p:sldId id="256" r:id="rId2"/>
+    <p:sldId id="257" r:id="rId3"/>
   </p:sldIdLst>
   <p:sldSz cx="12192000" cy="6858000"/>
   <p:notesSz cx="6858000" cy="9144000"/>
@@ -104,13 +108,18 @@
       </a:defRPr>
     </a:lvl9pPr>
   </p:defaultTextStyle>
+  <p:extLst>
+    <p:ext uri="{EFAFB233-063F-42B5-8137-9DF3F51BA10A}">
+      <p15:sldGuideLst xmlns:p15="http://schemas.microsoft.com/office/powerpoint/2012/main"/>
+    </p:ext>
+  </p:extLst>
 </p:presentation>
 </file>
 
 <file path=ppt/revisionInfo.xml><?xml version="1.0" encoding="utf-8"?>
 <p1510:revInfo xmlns:a="http://schemas.openxmlformats.org/drawingml/2006/main" xmlns:r="http://schemas.openxmlformats.org/officeDocument/2006/relationships" xmlns:p1510="http://schemas.microsoft.com/office/powerpoint/2015/10/main">
   <p1510:revLst>
-    <p1510:client id="{B16FF282-8E28-47FD-9B1B-84306E338BAD}" v="3" dt="2024-08-11T13:58:31.262"/>
+    <p1510:client id="{B16FF282-8E28-47FD-9B1B-84306E338BAD}" v="32" dt="2024-08-17T20:40:07.700"/>
   </p1510:revLst>
 </p1510:revInfo>
 </file>
@@ -119,13 +128,13 @@
 <pc:chgInfo xmlns:a="http://schemas.openxmlformats.org/drawingml/2006/main" xmlns:r="http://schemas.openxmlformats.org/officeDocument/2006/relationships" xmlns:ac="http://schemas.microsoft.com/office/drawing/2013/main/command" xmlns:pc="http://schemas.microsoft.com/office/powerpoint/2013/main/command">
   <pc:docChgLst>
     <pc:chgData name="Ivo Capelo" userId="efedb28a9470ecf1" providerId="LiveId" clId="{B16FF282-8E28-47FD-9B1B-84306E338BAD}"/>
-    <pc:docChg chg="undo custSel modSld">
-      <pc:chgData name="Ivo Capelo" userId="efedb28a9470ecf1" providerId="LiveId" clId="{B16FF282-8E28-47FD-9B1B-84306E338BAD}" dt="2024-08-11T13:58:40.201" v="28" actId="207"/>
+    <pc:docChg chg="undo redo custSel addSld modSld">
+      <pc:chgData name="Ivo Capelo" userId="efedb28a9470ecf1" providerId="LiveId" clId="{B16FF282-8E28-47FD-9B1B-84306E338BAD}" dt="2024-08-17T20:41:06.708" v="519" actId="207"/>
       <pc:docMkLst>
         <pc:docMk/>
       </pc:docMkLst>
       <pc:sldChg chg="addSp modSp mod">
-        <pc:chgData name="Ivo Capelo" userId="efedb28a9470ecf1" providerId="LiveId" clId="{B16FF282-8E28-47FD-9B1B-84306E338BAD}" dt="2024-08-11T13:58:40.201" v="28" actId="207"/>
+        <pc:chgData name="Ivo Capelo" userId="efedb28a9470ecf1" providerId="LiveId" clId="{B16FF282-8E28-47FD-9B1B-84306E338BAD}" dt="2024-08-17T20:41:06.708" v="519" actId="207"/>
         <pc:sldMkLst>
           <pc:docMk/>
           <pc:sldMk cId="2345783557" sldId="256"/>
@@ -154,10 +163,859 @@
             <ac:spMk id="11" creationId="{9CF49270-FA1B-BCF5-DA46-A24070C486AC}"/>
           </ac:spMkLst>
         </pc:spChg>
+        <pc:spChg chg="add mod">
+          <ac:chgData name="Ivo Capelo" userId="efedb28a9470ecf1" providerId="LiveId" clId="{B16FF282-8E28-47FD-9B1B-84306E338BAD}" dt="2024-08-17T20:41:06.708" v="519" actId="207"/>
+          <ac:spMkLst>
+            <pc:docMk/>
+            <pc:sldMk cId="2345783557" sldId="256"/>
+            <ac:spMk id="50" creationId="{1C837A64-75EA-7D77-BAD3-DEA5E0746C45}"/>
+          </ac:spMkLst>
+        </pc:spChg>
+      </pc:sldChg>
+      <pc:sldChg chg="addSp delSp modSp new mod">
+        <pc:chgData name="Ivo Capelo" userId="efedb28a9470ecf1" providerId="LiveId" clId="{B16FF282-8E28-47FD-9B1B-84306E338BAD}" dt="2024-08-17T20:40:06.952" v="162" actId="21"/>
+        <pc:sldMkLst>
+          <pc:docMk/>
+          <pc:sldMk cId="1156164417" sldId="257"/>
+        </pc:sldMkLst>
+        <pc:spChg chg="del">
+          <ac:chgData name="Ivo Capelo" userId="efedb28a9470ecf1" providerId="LiveId" clId="{B16FF282-8E28-47FD-9B1B-84306E338BAD}" dt="2024-08-17T20:16:20.815" v="31" actId="478"/>
+          <ac:spMkLst>
+            <pc:docMk/>
+            <pc:sldMk cId="1156164417" sldId="257"/>
+            <ac:spMk id="2" creationId="{E49F41BC-78EB-1518-09F8-8023BDD38E6C}"/>
+          </ac:spMkLst>
+        </pc:spChg>
+        <pc:spChg chg="mod topLvl">
+          <ac:chgData name="Ivo Capelo" userId="efedb28a9470ecf1" providerId="LiveId" clId="{B16FF282-8E28-47FD-9B1B-84306E338BAD}" dt="2024-08-17T20:29:30.420" v="154" actId="207"/>
+          <ac:spMkLst>
+            <pc:docMk/>
+            <pc:sldMk cId="1156164417" sldId="257"/>
+            <ac:spMk id="3" creationId="{99CE88C0-25E4-5436-EACC-02BBD741598A}"/>
+          </ac:spMkLst>
+        </pc:spChg>
+        <pc:spChg chg="del">
+          <ac:chgData name="Ivo Capelo" userId="efedb28a9470ecf1" providerId="LiveId" clId="{B16FF282-8E28-47FD-9B1B-84306E338BAD}" dt="2024-08-17T20:16:21.447" v="32" actId="478"/>
+          <ac:spMkLst>
+            <pc:docMk/>
+            <pc:sldMk cId="1156164417" sldId="257"/>
+            <ac:spMk id="3" creationId="{BFD07738-C0B2-19BB-AF41-BEE4768C4D02}"/>
+          </ac:spMkLst>
+        </pc:spChg>
+        <pc:spChg chg="add mod">
+          <ac:chgData name="Ivo Capelo" userId="efedb28a9470ecf1" providerId="LiveId" clId="{B16FF282-8E28-47FD-9B1B-84306E338BAD}" dt="2024-08-17T20:29:15.314" v="146" actId="207"/>
+          <ac:spMkLst>
+            <pc:docMk/>
+            <pc:sldMk cId="1156164417" sldId="257"/>
+            <ac:spMk id="4" creationId="{41A441A6-70C8-6D6F-2D7C-85B06DD51C56}"/>
+          </ac:spMkLst>
+        </pc:spChg>
+        <pc:spChg chg="add mod">
+          <ac:chgData name="Ivo Capelo" userId="efedb28a9470ecf1" providerId="LiveId" clId="{B16FF282-8E28-47FD-9B1B-84306E338BAD}" dt="2024-08-17T20:29:17.273" v="147" actId="207"/>
+          <ac:spMkLst>
+            <pc:docMk/>
+            <pc:sldMk cId="1156164417" sldId="257"/>
+            <ac:spMk id="5" creationId="{7B5C9CCD-1295-DE9A-36A0-8B51BA35EACE}"/>
+          </ac:spMkLst>
+        </pc:spChg>
+        <pc:spChg chg="add mod">
+          <ac:chgData name="Ivo Capelo" userId="efedb28a9470ecf1" providerId="LiveId" clId="{B16FF282-8E28-47FD-9B1B-84306E338BAD}" dt="2024-08-17T20:29:20.132" v="149" actId="207"/>
+          <ac:spMkLst>
+            <pc:docMk/>
+            <pc:sldMk cId="1156164417" sldId="257"/>
+            <ac:spMk id="6" creationId="{AE56EA74-C1B9-04DA-5619-EDB06F43C597}"/>
+          </ac:spMkLst>
+        </pc:spChg>
+        <pc:spChg chg="add mod">
+          <ac:chgData name="Ivo Capelo" userId="efedb28a9470ecf1" providerId="LiveId" clId="{B16FF282-8E28-47FD-9B1B-84306E338BAD}" dt="2024-08-17T20:29:18.646" v="148" actId="207"/>
+          <ac:spMkLst>
+            <pc:docMk/>
+            <pc:sldMk cId="1156164417" sldId="257"/>
+            <ac:spMk id="7" creationId="{407BD513-1368-F10B-21F7-4F832A09541F}"/>
+          </ac:spMkLst>
+        </pc:spChg>
+        <pc:spChg chg="add mod">
+          <ac:chgData name="Ivo Capelo" userId="efedb28a9470ecf1" providerId="LiveId" clId="{B16FF282-8E28-47FD-9B1B-84306E338BAD}" dt="2024-08-17T20:29:27.815" v="153" actId="207"/>
+          <ac:spMkLst>
+            <pc:docMk/>
+            <pc:sldMk cId="1156164417" sldId="257"/>
+            <ac:spMk id="8" creationId="{96FF0652-2600-A52F-AE2C-683FA1168053}"/>
+          </ac:spMkLst>
+        </pc:spChg>
+        <pc:spChg chg="add mod">
+          <ac:chgData name="Ivo Capelo" userId="efedb28a9470ecf1" providerId="LiveId" clId="{B16FF282-8E28-47FD-9B1B-84306E338BAD}" dt="2024-08-17T20:29:25.439" v="152" actId="207"/>
+          <ac:spMkLst>
+            <pc:docMk/>
+            <pc:sldMk cId="1156164417" sldId="257"/>
+            <ac:spMk id="9" creationId="{CC434B74-A605-495E-77DC-78A192A6B0CB}"/>
+          </ac:spMkLst>
+        </pc:spChg>
+        <pc:spChg chg="add mod">
+          <ac:chgData name="Ivo Capelo" userId="efedb28a9470ecf1" providerId="LiveId" clId="{B16FF282-8E28-47FD-9B1B-84306E338BAD}" dt="2024-08-17T20:29:23.609" v="151" actId="207"/>
+          <ac:spMkLst>
+            <pc:docMk/>
+            <pc:sldMk cId="1156164417" sldId="257"/>
+            <ac:spMk id="10" creationId="{2C6BAFFC-C3A0-2FA4-D490-61813E5DD519}"/>
+          </ac:spMkLst>
+        </pc:spChg>
+        <pc:spChg chg="add mod">
+          <ac:chgData name="Ivo Capelo" userId="efedb28a9470ecf1" providerId="LiveId" clId="{B16FF282-8E28-47FD-9B1B-84306E338BAD}" dt="2024-08-17T20:29:21.860" v="150" actId="207"/>
+          <ac:spMkLst>
+            <pc:docMk/>
+            <pc:sldMk cId="1156164417" sldId="257"/>
+            <ac:spMk id="11" creationId="{6E73FF02-DEE7-DE16-DAA8-93795D819A10}"/>
+          </ac:spMkLst>
+        </pc:spChg>
+        <pc:spChg chg="mod topLvl">
+          <ac:chgData name="Ivo Capelo" userId="efedb28a9470ecf1" providerId="LiveId" clId="{B16FF282-8E28-47FD-9B1B-84306E338BAD}" dt="2024-08-17T20:29:38.569" v="157" actId="207"/>
+          <ac:spMkLst>
+            <pc:docMk/>
+            <pc:sldMk cId="1156164417" sldId="257"/>
+            <ac:spMk id="15" creationId="{262E8D21-F5E6-E73C-2D84-B890F808209A}"/>
+          </ac:spMkLst>
+        </pc:spChg>
+        <pc:spChg chg="add del mod topLvl">
+          <ac:chgData name="Ivo Capelo" userId="efedb28a9470ecf1" providerId="LiveId" clId="{B16FF282-8E28-47FD-9B1B-84306E338BAD}" dt="2024-08-17T20:29:36.690" v="156" actId="207"/>
+          <ac:spMkLst>
+            <pc:docMk/>
+            <pc:sldMk cId="1156164417" sldId="257"/>
+            <ac:spMk id="21" creationId="{6091BF56-493F-7831-C927-8C950800E2DB}"/>
+          </ac:spMkLst>
+        </pc:spChg>
+        <pc:spChg chg="mod topLvl">
+          <ac:chgData name="Ivo Capelo" userId="efedb28a9470ecf1" providerId="LiveId" clId="{B16FF282-8E28-47FD-9B1B-84306E338BAD}" dt="2024-08-17T20:29:34.528" v="155" actId="207"/>
+          <ac:spMkLst>
+            <pc:docMk/>
+            <pc:sldMk cId="1156164417" sldId="257"/>
+            <ac:spMk id="27" creationId="{A6646EF7-29D8-BC95-582F-DBC34E64F039}"/>
+          </ac:spMkLst>
+        </pc:spChg>
+        <pc:spChg chg="add del mod">
+          <ac:chgData name="Ivo Capelo" userId="efedb28a9470ecf1" providerId="LiveId" clId="{B16FF282-8E28-47FD-9B1B-84306E338BAD}" dt="2024-08-17T20:19:18.255" v="119" actId="478"/>
+          <ac:spMkLst>
+            <pc:docMk/>
+            <pc:sldMk cId="1156164417" sldId="257"/>
+            <ac:spMk id="35" creationId="{9C4F379F-B657-7462-624C-9B917637A84C}"/>
+          </ac:spMkLst>
+        </pc:spChg>
+        <pc:spChg chg="add del mod">
+          <ac:chgData name="Ivo Capelo" userId="efedb28a9470ecf1" providerId="LiveId" clId="{B16FF282-8E28-47FD-9B1B-84306E338BAD}" dt="2024-08-17T20:40:06.952" v="162" actId="21"/>
+          <ac:spMkLst>
+            <pc:docMk/>
+            <pc:sldMk cId="1156164417" sldId="257"/>
+            <ac:spMk id="50" creationId="{1C837A64-75EA-7D77-BAD3-DEA5E0746C45}"/>
+          </ac:spMkLst>
+        </pc:spChg>
+        <pc:grpChg chg="add del mod">
+          <ac:chgData name="Ivo Capelo" userId="efedb28a9470ecf1" providerId="LiveId" clId="{B16FF282-8E28-47FD-9B1B-84306E338BAD}" dt="2024-08-17T20:28:26.339" v="131" actId="165"/>
+          <ac:grpSpMkLst>
+            <pc:docMk/>
+            <pc:sldMk cId="1156164417" sldId="257"/>
+            <ac:grpSpMk id="2" creationId="{067DEEDC-FE04-1C08-7092-BA85A0792525}"/>
+          </ac:grpSpMkLst>
+        </pc:grpChg>
+        <pc:grpChg chg="add del mod">
+          <ac:chgData name="Ivo Capelo" userId="efedb28a9470ecf1" providerId="LiveId" clId="{B16FF282-8E28-47FD-9B1B-84306E338BAD}" dt="2024-08-17T20:28:26.339" v="131" actId="165"/>
+          <ac:grpSpMkLst>
+            <pc:docMk/>
+            <pc:sldMk cId="1156164417" sldId="257"/>
+            <ac:grpSpMk id="14" creationId="{074F2385-94BF-DE02-81DB-E8BA0DB748D0}"/>
+          </ac:grpSpMkLst>
+        </pc:grpChg>
+        <pc:grpChg chg="add del mod">
+          <ac:chgData name="Ivo Capelo" userId="efedb28a9470ecf1" providerId="LiveId" clId="{B16FF282-8E28-47FD-9B1B-84306E338BAD}" dt="2024-08-17T20:28:26.339" v="131" actId="165"/>
+          <ac:grpSpMkLst>
+            <pc:docMk/>
+            <pc:sldMk cId="1156164417" sldId="257"/>
+            <ac:grpSpMk id="19" creationId="{52156E78-3BF4-1CA0-8738-BE65E4A07CCE}"/>
+          </ac:grpSpMkLst>
+        </pc:grpChg>
+        <pc:grpChg chg="add del mod">
+          <ac:chgData name="Ivo Capelo" userId="efedb28a9470ecf1" providerId="LiveId" clId="{B16FF282-8E28-47FD-9B1B-84306E338BAD}" dt="2024-08-17T20:28:26.339" v="131" actId="165"/>
+          <ac:grpSpMkLst>
+            <pc:docMk/>
+            <pc:sldMk cId="1156164417" sldId="257"/>
+            <ac:grpSpMk id="25" creationId="{11821383-EF41-69E7-2E3A-392BB652521B}"/>
+          </ac:grpSpMkLst>
+        </pc:grpChg>
+        <pc:grpChg chg="add mod">
+          <ac:chgData name="Ivo Capelo" userId="efedb28a9470ecf1" providerId="LiveId" clId="{B16FF282-8E28-47FD-9B1B-84306E338BAD}" dt="2024-08-17T20:18:55.618" v="108" actId="164"/>
+          <ac:grpSpMkLst>
+            <pc:docMk/>
+            <pc:sldMk cId="1156164417" sldId="257"/>
+            <ac:grpSpMk id="29" creationId="{CF61F8F2-26A0-512B-284B-4D604BE744B8}"/>
+          </ac:grpSpMkLst>
+        </pc:grpChg>
+        <pc:grpChg chg="add mod">
+          <ac:chgData name="Ivo Capelo" userId="efedb28a9470ecf1" providerId="LiveId" clId="{B16FF282-8E28-47FD-9B1B-84306E338BAD}" dt="2024-08-17T20:18:58.539" v="109" actId="164"/>
+          <ac:grpSpMkLst>
+            <pc:docMk/>
+            <pc:sldMk cId="1156164417" sldId="257"/>
+            <ac:grpSpMk id="30" creationId="{ED3DA6DB-F2E1-0559-C951-0B3EC18F93FB}"/>
+          </ac:grpSpMkLst>
+        </pc:grpChg>
+        <pc:grpChg chg="add mod">
+          <ac:chgData name="Ivo Capelo" userId="efedb28a9470ecf1" providerId="LiveId" clId="{B16FF282-8E28-47FD-9B1B-84306E338BAD}" dt="2024-08-17T20:19:01.696" v="110" actId="164"/>
+          <ac:grpSpMkLst>
+            <pc:docMk/>
+            <pc:sldMk cId="1156164417" sldId="257"/>
+            <ac:grpSpMk id="31" creationId="{A88E7EDC-9B25-53F2-CB0B-740FEF3DBC89}"/>
+          </ac:grpSpMkLst>
+        </pc:grpChg>
+        <pc:grpChg chg="add mod">
+          <ac:chgData name="Ivo Capelo" userId="efedb28a9470ecf1" providerId="LiveId" clId="{B16FF282-8E28-47FD-9B1B-84306E338BAD}" dt="2024-08-17T20:19:05.378" v="111" actId="164"/>
+          <ac:grpSpMkLst>
+            <pc:docMk/>
+            <pc:sldMk cId="1156164417" sldId="257"/>
+            <ac:grpSpMk id="32" creationId="{E4C2D0A4-35FC-C4C1-6947-96A861DA7C09}"/>
+          </ac:grpSpMkLst>
+        </pc:grpChg>
+        <pc:grpChg chg="add mod">
+          <ac:chgData name="Ivo Capelo" userId="efedb28a9470ecf1" providerId="LiveId" clId="{B16FF282-8E28-47FD-9B1B-84306E338BAD}" dt="2024-08-17T20:19:08.194" v="112" actId="164"/>
+          <ac:grpSpMkLst>
+            <pc:docMk/>
+            <pc:sldMk cId="1156164417" sldId="257"/>
+            <ac:grpSpMk id="33" creationId="{733A47C6-83A3-981A-8073-543A9EBE48D0}"/>
+          </ac:grpSpMkLst>
+        </pc:grpChg>
+        <pc:grpChg chg="add mod">
+          <ac:chgData name="Ivo Capelo" userId="efedb28a9470ecf1" providerId="LiveId" clId="{B16FF282-8E28-47FD-9B1B-84306E338BAD}" dt="2024-08-17T20:28:21.382" v="129" actId="1076"/>
+          <ac:grpSpMkLst>
+            <pc:docMk/>
+            <pc:sldMk cId="1156164417" sldId="257"/>
+            <ac:grpSpMk id="34" creationId="{80A39DC6-5292-D203-3CB3-4DD2F3C6EE28}"/>
+          </ac:grpSpMkLst>
+        </pc:grpChg>
+        <pc:grpChg chg="add mod">
+          <ac:chgData name="Ivo Capelo" userId="efedb28a9470ecf1" providerId="LiveId" clId="{B16FF282-8E28-47FD-9B1B-84306E338BAD}" dt="2024-08-17T20:19:21.261" v="120" actId="164"/>
+          <ac:grpSpMkLst>
+            <pc:docMk/>
+            <pc:sldMk cId="1156164417" sldId="257"/>
+            <ac:grpSpMk id="37" creationId="{3B9DB4CF-3A29-6649-E4B1-F06E59FB8369}"/>
+          </ac:grpSpMkLst>
+        </pc:grpChg>
+        <pc:grpChg chg="add mod">
+          <ac:chgData name="Ivo Capelo" userId="efedb28a9470ecf1" providerId="LiveId" clId="{B16FF282-8E28-47FD-9B1B-84306E338BAD}" dt="2024-08-17T20:19:24.409" v="121" actId="164"/>
+          <ac:grpSpMkLst>
+            <pc:docMk/>
+            <pc:sldMk cId="1156164417" sldId="257"/>
+            <ac:grpSpMk id="38" creationId="{77B5189C-EAAC-7DAF-15F5-83290FAD7C01}"/>
+          </ac:grpSpMkLst>
+        </pc:grpChg>
+        <pc:grpChg chg="add mod">
+          <ac:chgData name="Ivo Capelo" userId="efedb28a9470ecf1" providerId="LiveId" clId="{B16FF282-8E28-47FD-9B1B-84306E338BAD}" dt="2024-08-17T20:28:44.313" v="142" actId="164"/>
+          <ac:grpSpMkLst>
+            <pc:docMk/>
+            <pc:sldMk cId="1156164417" sldId="257"/>
+            <ac:grpSpMk id="46" creationId="{DA98B92F-F5BC-1D52-0867-8AEC2ACE456E}"/>
+          </ac:grpSpMkLst>
+        </pc:grpChg>
+        <pc:grpChg chg="add mod">
+          <ac:chgData name="Ivo Capelo" userId="efedb28a9470ecf1" providerId="LiveId" clId="{B16FF282-8E28-47FD-9B1B-84306E338BAD}" dt="2024-08-17T20:28:47.013" v="143" actId="164"/>
+          <ac:grpSpMkLst>
+            <pc:docMk/>
+            <pc:sldMk cId="1156164417" sldId="257"/>
+            <ac:grpSpMk id="47" creationId="{ED0AEFD7-085D-5857-1A2B-1823151A5FE5}"/>
+          </ac:grpSpMkLst>
+        </pc:grpChg>
+        <pc:grpChg chg="add mod">
+          <ac:chgData name="Ivo Capelo" userId="efedb28a9470ecf1" providerId="LiveId" clId="{B16FF282-8E28-47FD-9B1B-84306E338BAD}" dt="2024-08-17T20:28:49.989" v="144" actId="164"/>
+          <ac:grpSpMkLst>
+            <pc:docMk/>
+            <pc:sldMk cId="1156164417" sldId="257"/>
+            <ac:grpSpMk id="48" creationId="{B586D2CE-6DAD-C2C3-EB8E-5F44BD9C53BA}"/>
+          </ac:grpSpMkLst>
+        </pc:grpChg>
+        <pc:grpChg chg="add mod">
+          <ac:chgData name="Ivo Capelo" userId="efedb28a9470ecf1" providerId="LiveId" clId="{B16FF282-8E28-47FD-9B1B-84306E338BAD}" dt="2024-08-17T20:28:53.174" v="145" actId="164"/>
+          <ac:grpSpMkLst>
+            <pc:docMk/>
+            <pc:sldMk cId="1156164417" sldId="257"/>
+            <ac:grpSpMk id="49" creationId="{EE8831B2-DF35-39FB-6282-1FAFB3825450}"/>
+          </ac:grpSpMkLst>
+        </pc:grpChg>
+        <pc:picChg chg="del mod topLvl">
+          <ac:chgData name="Ivo Capelo" userId="efedb28a9470ecf1" providerId="LiveId" clId="{B16FF282-8E28-47FD-9B1B-84306E338BAD}" dt="2024-08-17T20:28:27.581" v="133" actId="478"/>
+          <ac:picMkLst>
+            <pc:docMk/>
+            <pc:sldMk cId="1156164417" sldId="257"/>
+            <ac:picMk id="12" creationId="{07522BD5-762F-4BCD-56F5-D0398E174F45}"/>
+          </ac:picMkLst>
+        </pc:picChg>
+        <pc:picChg chg="add mod">
+          <ac:chgData name="Ivo Capelo" userId="efedb28a9470ecf1" providerId="LiveId" clId="{B16FF282-8E28-47FD-9B1B-84306E338BAD}" dt="2024-08-17T20:18:55.618" v="108" actId="164"/>
+          <ac:picMkLst>
+            <pc:docMk/>
+            <pc:sldMk cId="1156164417" sldId="257"/>
+            <ac:picMk id="13" creationId="{564521D3-F51A-D426-0B29-86A8992FC5B9}"/>
+          </ac:picMkLst>
+        </pc:picChg>
+        <pc:picChg chg="add del mod">
+          <ac:chgData name="Ivo Capelo" userId="efedb28a9470ecf1" providerId="LiveId" clId="{B16FF282-8E28-47FD-9B1B-84306E338BAD}" dt="2024-08-17T20:18:09.239" v="87" actId="478"/>
+          <ac:picMkLst>
+            <pc:docMk/>
+            <pc:sldMk cId="1156164417" sldId="257"/>
+            <ac:picMk id="14" creationId="{CFF6D05A-D8AB-2AE6-54A2-0DCA68CD0198}"/>
+          </ac:picMkLst>
+        </pc:picChg>
+        <pc:picChg chg="add mod">
+          <ac:chgData name="Ivo Capelo" userId="efedb28a9470ecf1" providerId="LiveId" clId="{B16FF282-8E28-47FD-9B1B-84306E338BAD}" dt="2024-08-17T20:18:58.539" v="109" actId="164"/>
+          <ac:picMkLst>
+            <pc:docMk/>
+            <pc:sldMk cId="1156164417" sldId="257"/>
+            <ac:picMk id="16" creationId="{80EB6681-5438-01AF-81DC-58EE3919AEEE}"/>
+          </ac:picMkLst>
+        </pc:picChg>
+        <pc:picChg chg="del mod topLvl">
+          <ac:chgData name="Ivo Capelo" userId="efedb28a9470ecf1" providerId="LiveId" clId="{B16FF282-8E28-47FD-9B1B-84306E338BAD}" dt="2024-08-17T20:28:30.526" v="137" actId="478"/>
+          <ac:picMkLst>
+            <pc:docMk/>
+            <pc:sldMk cId="1156164417" sldId="257"/>
+            <ac:picMk id="17" creationId="{7303EC6E-C3F0-8FA4-7A59-24EE1CF3326F}"/>
+          </ac:picMkLst>
+        </pc:picChg>
+        <pc:picChg chg="add mod">
+          <ac:chgData name="Ivo Capelo" userId="efedb28a9470ecf1" providerId="LiveId" clId="{B16FF282-8E28-47FD-9B1B-84306E338BAD}" dt="2024-08-17T20:19:24.409" v="121" actId="164"/>
+          <ac:picMkLst>
+            <pc:docMk/>
+            <pc:sldMk cId="1156164417" sldId="257"/>
+            <ac:picMk id="18" creationId="{EA1E275D-B0D7-332E-0AC9-5718D0764B08}"/>
+          </ac:picMkLst>
+        </pc:picChg>
+        <pc:picChg chg="add mod">
+          <ac:chgData name="Ivo Capelo" userId="efedb28a9470ecf1" providerId="LiveId" clId="{B16FF282-8E28-47FD-9B1B-84306E338BAD}" dt="2024-08-17T20:19:01.696" v="110" actId="164"/>
+          <ac:picMkLst>
+            <pc:docMk/>
+            <pc:sldMk cId="1156164417" sldId="257"/>
+            <ac:picMk id="20" creationId="{1EEA6787-BF81-493F-7C86-36B4F6BB577F}"/>
+          </ac:picMkLst>
+        </pc:picChg>
+        <pc:picChg chg="add mod">
+          <ac:chgData name="Ivo Capelo" userId="efedb28a9470ecf1" providerId="LiveId" clId="{B16FF282-8E28-47FD-9B1B-84306E338BAD}" dt="2024-08-17T20:19:05.378" v="111" actId="164"/>
+          <ac:picMkLst>
+            <pc:docMk/>
+            <pc:sldMk cId="1156164417" sldId="257"/>
+            <ac:picMk id="22" creationId="{05ED9571-0F5D-0BB3-D586-70ABD9BE0AAF}"/>
+          </ac:picMkLst>
+        </pc:picChg>
+        <pc:picChg chg="del mod topLvl">
+          <ac:chgData name="Ivo Capelo" userId="efedb28a9470ecf1" providerId="LiveId" clId="{B16FF282-8E28-47FD-9B1B-84306E338BAD}" dt="2024-08-17T20:28:29.956" v="136" actId="478"/>
+          <ac:picMkLst>
+            <pc:docMk/>
+            <pc:sldMk cId="1156164417" sldId="257"/>
+            <ac:picMk id="23" creationId="{31368FE8-8E71-865B-C512-00357FEF4179}"/>
+          </ac:picMkLst>
+        </pc:picChg>
+        <pc:picChg chg="add mod">
+          <ac:chgData name="Ivo Capelo" userId="efedb28a9470ecf1" providerId="LiveId" clId="{B16FF282-8E28-47FD-9B1B-84306E338BAD}" dt="2024-08-17T20:19:08.194" v="112" actId="164"/>
+          <ac:picMkLst>
+            <pc:docMk/>
+            <pc:sldMk cId="1156164417" sldId="257"/>
+            <ac:picMk id="24" creationId="{CA41C81F-092F-4636-A908-C319E4FB6AAC}"/>
+          </ac:picMkLst>
+        </pc:picChg>
+        <pc:picChg chg="add mod">
+          <ac:chgData name="Ivo Capelo" userId="efedb28a9470ecf1" providerId="LiveId" clId="{B16FF282-8E28-47FD-9B1B-84306E338BAD}" dt="2024-08-17T20:19:11.362" v="113" actId="164"/>
+          <ac:picMkLst>
+            <pc:docMk/>
+            <pc:sldMk cId="1156164417" sldId="257"/>
+            <ac:picMk id="26" creationId="{4A393D8F-0D1D-AE6E-658F-5FB120F335C6}"/>
+          </ac:picMkLst>
+        </pc:picChg>
+        <pc:picChg chg="add mod">
+          <ac:chgData name="Ivo Capelo" userId="efedb28a9470ecf1" providerId="LiveId" clId="{B16FF282-8E28-47FD-9B1B-84306E338BAD}" dt="2024-08-17T20:19:21.261" v="120" actId="164"/>
+          <ac:picMkLst>
+            <pc:docMk/>
+            <pc:sldMk cId="1156164417" sldId="257"/>
+            <ac:picMk id="28" creationId="{E11E44F7-D018-1E40-3598-03C6AED35F40}"/>
+          </ac:picMkLst>
+        </pc:picChg>
+        <pc:picChg chg="del mod topLvl">
+          <ac:chgData name="Ivo Capelo" userId="efedb28a9470ecf1" providerId="LiveId" clId="{B16FF282-8E28-47FD-9B1B-84306E338BAD}" dt="2024-08-17T20:28:27.117" v="132" actId="478"/>
+          <ac:picMkLst>
+            <pc:docMk/>
+            <pc:sldMk cId="1156164417" sldId="257"/>
+            <ac:picMk id="35" creationId="{DF1D0E26-A8A8-80C9-4EA4-6C9E5AD5B7AF}"/>
+          </ac:picMkLst>
+        </pc:picChg>
+        <pc:picChg chg="add del mod">
+          <ac:chgData name="Ivo Capelo" userId="efedb28a9470ecf1" providerId="LiveId" clId="{B16FF282-8E28-47FD-9B1B-84306E338BAD}" dt="2024-08-17T20:19:17.847" v="118" actId="478"/>
+          <ac:picMkLst>
+            <pc:docMk/>
+            <pc:sldMk cId="1156164417" sldId="257"/>
+            <ac:picMk id="36" creationId="{9CC33AEA-C965-DBB4-9353-44A49A59425D}"/>
+          </ac:picMkLst>
+        </pc:picChg>
+        <pc:picChg chg="add mod">
+          <ac:chgData name="Ivo Capelo" userId="efedb28a9470ecf1" providerId="LiveId" clId="{B16FF282-8E28-47FD-9B1B-84306E338BAD}" dt="2024-08-17T20:28:53.174" v="145" actId="164"/>
+          <ac:picMkLst>
+            <pc:docMk/>
+            <pc:sldMk cId="1156164417" sldId="257"/>
+            <ac:picMk id="39" creationId="{369409BE-1FD1-50F9-CB1B-0B4718F526E0}"/>
+          </ac:picMkLst>
+        </pc:picChg>
+        <pc:picChg chg="add mod">
+          <ac:chgData name="Ivo Capelo" userId="efedb28a9470ecf1" providerId="LiveId" clId="{B16FF282-8E28-47FD-9B1B-84306E338BAD}" dt="2024-08-17T20:28:47.013" v="143" actId="164"/>
+          <ac:picMkLst>
+            <pc:docMk/>
+            <pc:sldMk cId="1156164417" sldId="257"/>
+            <ac:picMk id="41" creationId="{8EA77442-7147-3367-527B-3653E87EDAF8}"/>
+          </ac:picMkLst>
+        </pc:picChg>
+        <pc:picChg chg="add mod">
+          <ac:chgData name="Ivo Capelo" userId="efedb28a9470ecf1" providerId="LiveId" clId="{B16FF282-8E28-47FD-9B1B-84306E338BAD}" dt="2024-08-17T20:28:49.989" v="144" actId="164"/>
+          <ac:picMkLst>
+            <pc:docMk/>
+            <pc:sldMk cId="1156164417" sldId="257"/>
+            <ac:picMk id="43" creationId="{765639DD-4559-9DE3-B6EF-F88DCD7BA890}"/>
+          </ac:picMkLst>
+        </pc:picChg>
+        <pc:picChg chg="add mod">
+          <ac:chgData name="Ivo Capelo" userId="efedb28a9470ecf1" providerId="LiveId" clId="{B16FF282-8E28-47FD-9B1B-84306E338BAD}" dt="2024-08-17T20:28:44.313" v="142" actId="164"/>
+          <ac:picMkLst>
+            <pc:docMk/>
+            <pc:sldMk cId="1156164417" sldId="257"/>
+            <ac:picMk id="45" creationId="{D22A5D21-690F-1FE1-098D-5D4D836837DE}"/>
+          </ac:picMkLst>
+        </pc:picChg>
       </pc:sldChg>
     </pc:docChg>
   </pc:docChgLst>
 </pc:chgInfo>
+</file>
+
+<file path=ppt/notesMasters/notesMaster1.xml><?xml version="1.0" encoding="utf-8"?>
+<p:notesMaster xmlns:a="http://schemas.openxmlformats.org/drawingml/2006/main" xmlns:r="http://schemas.openxmlformats.org/officeDocument/2006/relationships" xmlns:p="http://schemas.openxmlformats.org/presentationml/2006/main">
+  <p:cSld>
+    <p:bg>
+      <p:bgRef idx="1001">
+        <a:schemeClr val="bg1"/>
+      </p:bgRef>
+    </p:bg>
+    <p:spTree>
+      <p:nvGrpSpPr>
+        <p:cNvPr id="1" name=""/>
+        <p:cNvGrpSpPr/>
+        <p:nvPr/>
+      </p:nvGrpSpPr>
+      <p:grpSpPr>
+        <a:xfrm>
+          <a:off x="0" y="0"/>
+          <a:ext cx="0" cy="0"/>
+          <a:chOff x="0" y="0"/>
+          <a:chExt cx="0" cy="0"/>
+        </a:xfrm>
+      </p:grpSpPr>
+      <p:sp>
+        <p:nvSpPr>
+          <p:cNvPr id="2" name="Header Placeholder 1"/>
+          <p:cNvSpPr>
+            <a:spLocks noGrp="1"/>
+          </p:cNvSpPr>
+          <p:nvPr>
+            <p:ph type="hdr" sz="quarter"/>
+          </p:nvPr>
+        </p:nvSpPr>
+        <p:spPr>
+          <a:xfrm>
+            <a:off x="0" y="0"/>
+            <a:ext cx="2971800" cy="458788"/>
+          </a:xfrm>
+          <a:prstGeom prst="rect">
+            <a:avLst/>
+          </a:prstGeom>
+        </p:spPr>
+        <p:txBody>
+          <a:bodyPr vert="horz" lIns="91440" tIns="45720" rIns="91440" bIns="45720" rtlCol="0"/>
+          <a:lstStyle>
+            <a:lvl1pPr algn="l">
+              <a:defRPr sz="1200"/>
+            </a:lvl1pPr>
+          </a:lstStyle>
+          <a:p>
+            <a:endParaRPr lang="en-GB"/>
+          </a:p>
+        </p:txBody>
+      </p:sp>
+      <p:sp>
+        <p:nvSpPr>
+          <p:cNvPr id="3" name="Date Placeholder 2"/>
+          <p:cNvSpPr>
+            <a:spLocks noGrp="1"/>
+          </p:cNvSpPr>
+          <p:nvPr>
+            <p:ph type="dt" idx="1"/>
+          </p:nvPr>
+        </p:nvSpPr>
+        <p:spPr>
+          <a:xfrm>
+            <a:off x="3884613" y="0"/>
+            <a:ext cx="2971800" cy="458788"/>
+          </a:xfrm>
+          <a:prstGeom prst="rect">
+            <a:avLst/>
+          </a:prstGeom>
+        </p:spPr>
+        <p:txBody>
+          <a:bodyPr vert="horz" lIns="91440" tIns="45720" rIns="91440" bIns="45720" rtlCol="0"/>
+          <a:lstStyle>
+            <a:lvl1pPr algn="r">
+              <a:defRPr sz="1200"/>
+            </a:lvl1pPr>
+          </a:lstStyle>
+          <a:p>
+            <a:fld id="{9580A274-F7FF-4FB4-86D3-0B38EB9762B7}" type="datetimeFigureOut">
+              <a:rPr lang="en-GB" smtClean="0"/>
+              <a:t>17/08/2024</a:t>
+            </a:fld>
+            <a:endParaRPr lang="en-GB"/>
+          </a:p>
+        </p:txBody>
+      </p:sp>
+      <p:sp>
+        <p:nvSpPr>
+          <p:cNvPr id="4" name="Slide Image Placeholder 3"/>
+          <p:cNvSpPr>
+            <a:spLocks noGrp="1" noRot="1" noChangeAspect="1"/>
+          </p:cNvSpPr>
+          <p:nvPr>
+            <p:ph type="sldImg" idx="2"/>
+          </p:nvPr>
+        </p:nvSpPr>
+        <p:spPr>
+          <a:xfrm>
+            <a:off x="685800" y="1143000"/>
+            <a:ext cx="5486400" cy="3086100"/>
+          </a:xfrm>
+          <a:prstGeom prst="rect">
+            <a:avLst/>
+          </a:prstGeom>
+          <a:noFill/>
+          <a:ln w="12700">
+            <a:solidFill>
+              <a:prstClr val="black"/>
+            </a:solidFill>
+          </a:ln>
+        </p:spPr>
+        <p:txBody>
+          <a:bodyPr vert="horz" lIns="91440" tIns="45720" rIns="91440" bIns="45720" rtlCol="0" anchor="ctr"/>
+          <a:lstStyle/>
+          <a:p>
+            <a:endParaRPr lang="en-GB"/>
+          </a:p>
+        </p:txBody>
+      </p:sp>
+      <p:sp>
+        <p:nvSpPr>
+          <p:cNvPr id="5" name="Notes Placeholder 4"/>
+          <p:cNvSpPr>
+            <a:spLocks noGrp="1"/>
+          </p:cNvSpPr>
+          <p:nvPr>
+            <p:ph type="body" sz="quarter" idx="3"/>
+          </p:nvPr>
+        </p:nvSpPr>
+        <p:spPr>
+          <a:xfrm>
+            <a:off x="685800" y="4400550"/>
+            <a:ext cx="5486400" cy="3600450"/>
+          </a:xfrm>
+          <a:prstGeom prst="rect">
+            <a:avLst/>
+          </a:prstGeom>
+        </p:spPr>
+        <p:txBody>
+          <a:bodyPr vert="horz" lIns="91440" tIns="45720" rIns="91440" bIns="45720" rtlCol="0"/>
+          <a:lstStyle/>
+          <a:p>
+            <a:pPr lvl="0"/>
+            <a:r>
+              <a:rPr lang="en-US"/>
+              <a:t>Click to edit Master text styles</a:t>
+            </a:r>
+          </a:p>
+          <a:p>
+            <a:pPr lvl="1"/>
+            <a:r>
+              <a:rPr lang="en-US"/>
+              <a:t>Second level</a:t>
+            </a:r>
+          </a:p>
+          <a:p>
+            <a:pPr lvl="2"/>
+            <a:r>
+              <a:rPr lang="en-US"/>
+              <a:t>Third level</a:t>
+            </a:r>
+          </a:p>
+          <a:p>
+            <a:pPr lvl="3"/>
+            <a:r>
+              <a:rPr lang="en-US"/>
+              <a:t>Fourth level</a:t>
+            </a:r>
+          </a:p>
+          <a:p>
+            <a:pPr lvl="4"/>
+            <a:r>
+              <a:rPr lang="en-US"/>
+              <a:t>Fifth level</a:t>
+            </a:r>
+            <a:endParaRPr lang="en-GB"/>
+          </a:p>
+        </p:txBody>
+      </p:sp>
+      <p:sp>
+        <p:nvSpPr>
+          <p:cNvPr id="6" name="Footer Placeholder 5"/>
+          <p:cNvSpPr>
+            <a:spLocks noGrp="1"/>
+          </p:cNvSpPr>
+          <p:nvPr>
+            <p:ph type="ftr" sz="quarter" idx="4"/>
+          </p:nvPr>
+        </p:nvSpPr>
+        <p:spPr>
+          <a:xfrm>
+            <a:off x="0" y="8685213"/>
+            <a:ext cx="2971800" cy="458787"/>
+          </a:xfrm>
+          <a:prstGeom prst="rect">
+            <a:avLst/>
+          </a:prstGeom>
+        </p:spPr>
+        <p:txBody>
+          <a:bodyPr vert="horz" lIns="91440" tIns="45720" rIns="91440" bIns="45720" rtlCol="0" anchor="b"/>
+          <a:lstStyle>
+            <a:lvl1pPr algn="l">
+              <a:defRPr sz="1200"/>
+            </a:lvl1pPr>
+          </a:lstStyle>
+          <a:p>
+            <a:endParaRPr lang="en-GB"/>
+          </a:p>
+        </p:txBody>
+      </p:sp>
+      <p:sp>
+        <p:nvSpPr>
+          <p:cNvPr id="7" name="Slide Number Placeholder 6"/>
+          <p:cNvSpPr>
+            <a:spLocks noGrp="1"/>
+          </p:cNvSpPr>
+          <p:nvPr>
+            <p:ph type="sldNum" sz="quarter" idx="5"/>
+          </p:nvPr>
+        </p:nvSpPr>
+        <p:spPr>
+          <a:xfrm>
+            <a:off x="3884613" y="8685213"/>
+            <a:ext cx="2971800" cy="458787"/>
+          </a:xfrm>
+          <a:prstGeom prst="rect">
+            <a:avLst/>
+          </a:prstGeom>
+        </p:spPr>
+        <p:txBody>
+          <a:bodyPr vert="horz" lIns="91440" tIns="45720" rIns="91440" bIns="45720" rtlCol="0" anchor="b"/>
+          <a:lstStyle>
+            <a:lvl1pPr algn="r">
+              <a:defRPr sz="1200"/>
+            </a:lvl1pPr>
+          </a:lstStyle>
+          <a:p>
+            <a:fld id="{36A87416-3C00-41B5-B61F-4489B7CF9C64}" type="slidenum">
+              <a:rPr lang="en-GB" smtClean="0"/>
+              <a:t>‹#›</a:t>
+            </a:fld>
+            <a:endParaRPr lang="en-GB"/>
+          </a:p>
+        </p:txBody>
+      </p:sp>
+    </p:spTree>
+    <p:extLst>
+      <p:ext uri="{BB962C8B-B14F-4D97-AF65-F5344CB8AC3E}">
+        <p14:creationId xmlns:p14="http://schemas.microsoft.com/office/powerpoint/2010/main" val="72042961"/>
+      </p:ext>
+    </p:extLst>
+  </p:cSld>
+  <p:clrMap bg1="lt1" tx1="dk1" bg2="lt2" tx2="dk2" accent1="accent1" accent2="accent2" accent3="accent3" accent4="accent4" accent5="accent5" accent6="accent6" hlink="hlink" folHlink="folHlink"/>
+  <p:notesStyle>
+    <a:lvl1pPr marL="0" algn="l" defTabSz="914400" rtl="0" eaLnBrk="1" latinLnBrk="0" hangingPunct="1">
+      <a:defRPr sz="1200" kern="1200">
+        <a:solidFill>
+          <a:schemeClr val="tx1"/>
+        </a:solidFill>
+        <a:latin typeface="+mn-lt"/>
+        <a:ea typeface="+mn-ea"/>
+        <a:cs typeface="+mn-cs"/>
+      </a:defRPr>
+    </a:lvl1pPr>
+    <a:lvl2pPr marL="457200" algn="l" defTabSz="914400" rtl="0" eaLnBrk="1" latinLnBrk="0" hangingPunct="1">
+      <a:defRPr sz="1200" kern="1200">
+        <a:solidFill>
+          <a:schemeClr val="tx1"/>
+        </a:solidFill>
+        <a:latin typeface="+mn-lt"/>
+        <a:ea typeface="+mn-ea"/>
+        <a:cs typeface="+mn-cs"/>
+      </a:defRPr>
+    </a:lvl2pPr>
+    <a:lvl3pPr marL="914400" algn="l" defTabSz="914400" rtl="0" eaLnBrk="1" latinLnBrk="0" hangingPunct="1">
+      <a:defRPr sz="1200" kern="1200">
+        <a:solidFill>
+          <a:schemeClr val="tx1"/>
+        </a:solidFill>
+        <a:latin typeface="+mn-lt"/>
+        <a:ea typeface="+mn-ea"/>
+        <a:cs typeface="+mn-cs"/>
+      </a:defRPr>
+    </a:lvl3pPr>
+    <a:lvl4pPr marL="1371600" algn="l" defTabSz="914400" rtl="0" eaLnBrk="1" latinLnBrk="0" hangingPunct="1">
+      <a:defRPr sz="1200" kern="1200">
+        <a:solidFill>
+          <a:schemeClr val="tx1"/>
+        </a:solidFill>
+        <a:latin typeface="+mn-lt"/>
+        <a:ea typeface="+mn-ea"/>
+        <a:cs typeface="+mn-cs"/>
+      </a:defRPr>
+    </a:lvl4pPr>
+    <a:lvl5pPr marL="1828800" algn="l" defTabSz="914400" rtl="0" eaLnBrk="1" latinLnBrk="0" hangingPunct="1">
+      <a:defRPr sz="1200" kern="1200">
+        <a:solidFill>
+          <a:schemeClr val="tx1"/>
+        </a:solidFill>
+        <a:latin typeface="+mn-lt"/>
+        <a:ea typeface="+mn-ea"/>
+        <a:cs typeface="+mn-cs"/>
+      </a:defRPr>
+    </a:lvl5pPr>
+    <a:lvl6pPr marL="2286000" algn="l" defTabSz="914400" rtl="0" eaLnBrk="1" latinLnBrk="0" hangingPunct="1">
+      <a:defRPr sz="1200" kern="1200">
+        <a:solidFill>
+          <a:schemeClr val="tx1"/>
+        </a:solidFill>
+        <a:latin typeface="+mn-lt"/>
+        <a:ea typeface="+mn-ea"/>
+        <a:cs typeface="+mn-cs"/>
+      </a:defRPr>
+    </a:lvl6pPr>
+    <a:lvl7pPr marL="2743200" algn="l" defTabSz="914400" rtl="0" eaLnBrk="1" latinLnBrk="0" hangingPunct="1">
+      <a:defRPr sz="1200" kern="1200">
+        <a:solidFill>
+          <a:schemeClr val="tx1"/>
+        </a:solidFill>
+        <a:latin typeface="+mn-lt"/>
+        <a:ea typeface="+mn-ea"/>
+        <a:cs typeface="+mn-cs"/>
+      </a:defRPr>
+    </a:lvl7pPr>
+    <a:lvl8pPr marL="3200400" algn="l" defTabSz="914400" rtl="0" eaLnBrk="1" latinLnBrk="0" hangingPunct="1">
+      <a:defRPr sz="1200" kern="1200">
+        <a:solidFill>
+          <a:schemeClr val="tx1"/>
+        </a:solidFill>
+        <a:latin typeface="+mn-lt"/>
+        <a:ea typeface="+mn-ea"/>
+        <a:cs typeface="+mn-cs"/>
+      </a:defRPr>
+    </a:lvl8pPr>
+    <a:lvl9pPr marL="3657600" algn="l" defTabSz="914400" rtl="0" eaLnBrk="1" latinLnBrk="0" hangingPunct="1">
+      <a:defRPr sz="1200" kern="1200">
+        <a:solidFill>
+          <a:schemeClr val="tx1"/>
+        </a:solidFill>
+        <a:latin typeface="+mn-lt"/>
+        <a:ea typeface="+mn-ea"/>
+        <a:cs typeface="+mn-cs"/>
+      </a:defRPr>
+    </a:lvl9pPr>
+  </p:notesStyle>
+</p:notesMaster>
+</file>
+
+<file path=ppt/notesSlides/notesSlide1.xml><?xml version="1.0" encoding="utf-8"?>
+<p:notes xmlns:a="http://schemas.openxmlformats.org/drawingml/2006/main" xmlns:r="http://schemas.openxmlformats.org/officeDocument/2006/relationships" xmlns:p="http://schemas.openxmlformats.org/presentationml/2006/main">
+  <p:cSld>
+    <p:spTree>
+      <p:nvGrpSpPr>
+        <p:cNvPr id="1" name=""/>
+        <p:cNvGrpSpPr/>
+        <p:nvPr/>
+      </p:nvGrpSpPr>
+      <p:grpSpPr>
+        <a:xfrm>
+          <a:off x="0" y="0"/>
+          <a:ext cx="0" cy="0"/>
+          <a:chOff x="0" y="0"/>
+          <a:chExt cx="0" cy="0"/>
+        </a:xfrm>
+      </p:grpSpPr>
+      <p:sp>
+        <p:nvSpPr>
+          <p:cNvPr id="2" name="Slide Image Placeholder 1"/>
+          <p:cNvSpPr>
+            <a:spLocks noGrp="1" noRot="1" noChangeAspect="1"/>
+          </p:cNvSpPr>
+          <p:nvPr>
+            <p:ph type="sldImg"/>
+          </p:nvPr>
+        </p:nvSpPr>
+        <p:spPr/>
+      </p:sp>
+      <p:sp>
+        <p:nvSpPr>
+          <p:cNvPr id="3" name="Notes Placeholder 2"/>
+          <p:cNvSpPr>
+            <a:spLocks noGrp="1"/>
+          </p:cNvSpPr>
+          <p:nvPr>
+            <p:ph type="body" idx="1"/>
+          </p:nvPr>
+        </p:nvSpPr>
+        <p:spPr/>
+        <p:txBody>
+          <a:bodyPr/>
+          <a:lstStyle/>
+          <a:p>
+            <a:endParaRPr lang="en-GB" dirty="0"/>
+          </a:p>
+        </p:txBody>
+      </p:sp>
+      <p:sp>
+        <p:nvSpPr>
+          <p:cNvPr id="4" name="Slide Number Placeholder 3"/>
+          <p:cNvSpPr>
+            <a:spLocks noGrp="1"/>
+          </p:cNvSpPr>
+          <p:nvPr>
+            <p:ph type="sldNum" sz="quarter" idx="5"/>
+          </p:nvPr>
+        </p:nvSpPr>
+        <p:spPr/>
+        <p:txBody>
+          <a:bodyPr/>
+          <a:lstStyle/>
+          <a:p>
+            <a:fld id="{36A87416-3C00-41B5-B61F-4489B7CF9C64}" type="slidenum">
+              <a:rPr lang="en-GB" smtClean="0"/>
+              <a:t>2</a:t>
+            </a:fld>
+            <a:endParaRPr lang="en-GB"/>
+          </a:p>
+        </p:txBody>
+      </p:sp>
+    </p:spTree>
+    <p:extLst>
+      <p:ext uri="{BB962C8B-B14F-4D97-AF65-F5344CB8AC3E}">
+        <p14:creationId xmlns:p14="http://schemas.microsoft.com/office/powerpoint/2010/main" val="1459433156"/>
+      </p:ext>
+    </p:extLst>
+  </p:cSld>
+  <p:clrMapOvr>
+    <a:masterClrMapping/>
+  </p:clrMapOvr>
+</p:notes>
 </file>
 
 <file path=ppt/slideLayouts/slideLayout1.xml><?xml version="1.0" encoding="utf-8"?>
@@ -309,7 +1167,7 @@
           <a:p>
             <a:fld id="{D4D41508-C0B9-4D0E-A542-48C2042B0D17}" type="datetimeFigureOut">
               <a:rPr lang="en-GB" smtClean="0"/>
-              <a:t>11/08/2024</a:t>
+              <a:t>17/08/2024</a:t>
             </a:fld>
             <a:endParaRPr lang="en-GB"/>
           </a:p>
@@ -509,7 +1367,7 @@
           <a:p>
             <a:fld id="{D4D41508-C0B9-4D0E-A542-48C2042B0D17}" type="datetimeFigureOut">
               <a:rPr lang="en-GB" smtClean="0"/>
-              <a:t>11/08/2024</a:t>
+              <a:t>17/08/2024</a:t>
             </a:fld>
             <a:endParaRPr lang="en-GB"/>
           </a:p>
@@ -719,7 +1577,7 @@
           <a:p>
             <a:fld id="{D4D41508-C0B9-4D0E-A542-48C2042B0D17}" type="datetimeFigureOut">
               <a:rPr lang="en-GB" smtClean="0"/>
-              <a:t>11/08/2024</a:t>
+              <a:t>17/08/2024</a:t>
             </a:fld>
             <a:endParaRPr lang="en-GB"/>
           </a:p>
@@ -919,7 +1777,7 @@
           <a:p>
             <a:fld id="{D4D41508-C0B9-4D0E-A542-48C2042B0D17}" type="datetimeFigureOut">
               <a:rPr lang="en-GB" smtClean="0"/>
-              <a:t>11/08/2024</a:t>
+              <a:t>17/08/2024</a:t>
             </a:fld>
             <a:endParaRPr lang="en-GB"/>
           </a:p>
@@ -1195,7 +2053,7 @@
           <a:p>
             <a:fld id="{D4D41508-C0B9-4D0E-A542-48C2042B0D17}" type="datetimeFigureOut">
               <a:rPr lang="en-GB" smtClean="0"/>
-              <a:t>11/08/2024</a:t>
+              <a:t>17/08/2024</a:t>
             </a:fld>
             <a:endParaRPr lang="en-GB"/>
           </a:p>
@@ -1463,7 +2321,7 @@
           <a:p>
             <a:fld id="{D4D41508-C0B9-4D0E-A542-48C2042B0D17}" type="datetimeFigureOut">
               <a:rPr lang="en-GB" smtClean="0"/>
-              <a:t>11/08/2024</a:t>
+              <a:t>17/08/2024</a:t>
             </a:fld>
             <a:endParaRPr lang="en-GB"/>
           </a:p>
@@ -1878,7 +2736,7 @@
           <a:p>
             <a:fld id="{D4D41508-C0B9-4D0E-A542-48C2042B0D17}" type="datetimeFigureOut">
               <a:rPr lang="en-GB" smtClean="0"/>
-              <a:t>11/08/2024</a:t>
+              <a:t>17/08/2024</a:t>
             </a:fld>
             <a:endParaRPr lang="en-GB"/>
           </a:p>
@@ -2020,7 +2878,7 @@
           <a:p>
             <a:fld id="{D4D41508-C0B9-4D0E-A542-48C2042B0D17}" type="datetimeFigureOut">
               <a:rPr lang="en-GB" smtClean="0"/>
-              <a:t>11/08/2024</a:t>
+              <a:t>17/08/2024</a:t>
             </a:fld>
             <a:endParaRPr lang="en-GB"/>
           </a:p>
@@ -2133,7 +2991,7 @@
           <a:p>
             <a:fld id="{D4D41508-C0B9-4D0E-A542-48C2042B0D17}" type="datetimeFigureOut">
               <a:rPr lang="en-GB" smtClean="0"/>
-              <a:t>11/08/2024</a:t>
+              <a:t>17/08/2024</a:t>
             </a:fld>
             <a:endParaRPr lang="en-GB"/>
           </a:p>
@@ -2446,7 +3304,7 @@
           <a:p>
             <a:fld id="{D4D41508-C0B9-4D0E-A542-48C2042B0D17}" type="datetimeFigureOut">
               <a:rPr lang="en-GB" smtClean="0"/>
-              <a:t>11/08/2024</a:t>
+              <a:t>17/08/2024</a:t>
             </a:fld>
             <a:endParaRPr lang="en-GB"/>
           </a:p>
@@ -2735,7 +3593,7 @@
           <a:p>
             <a:fld id="{D4D41508-C0B9-4D0E-A542-48C2042B0D17}" type="datetimeFigureOut">
               <a:rPr lang="en-GB" smtClean="0"/>
-              <a:t>11/08/2024</a:t>
+              <a:t>17/08/2024</a:t>
             </a:fld>
             <a:endParaRPr lang="en-GB"/>
           </a:p>
@@ -2978,7 +3836,7 @@
           <a:p>
             <a:fld id="{D4D41508-C0B9-4D0E-A542-48C2042B0D17}" type="datetimeFigureOut">
               <a:rPr lang="en-GB" smtClean="0"/>
-              <a:t>11/08/2024</a:t>
+              <a:t>17/08/2024</a:t>
             </a:fld>
             <a:endParaRPr lang="en-GB"/>
           </a:p>
@@ -3716,10 +4574,1452 @@
           </a:p>
         </p:txBody>
       </p:sp>
+      <p:sp>
+        <p:nvSpPr>
+          <p:cNvPr id="50" name="Oval 49">
+            <a:extLst>
+              <a:ext uri="{FF2B5EF4-FFF2-40B4-BE49-F238E27FC236}">
+                <a16:creationId xmlns:a16="http://schemas.microsoft.com/office/drawing/2014/main" id="{1C837A64-75EA-7D77-BAD3-DEA5E0746C45}"/>
+              </a:ext>
+            </a:extLst>
+          </p:cNvPr>
+          <p:cNvSpPr/>
+          <p:nvPr/>
+        </p:nvSpPr>
+        <p:spPr>
+          <a:xfrm>
+            <a:off x="1673352" y="658368"/>
+            <a:ext cx="618276" cy="618276"/>
+          </a:xfrm>
+          <a:prstGeom prst="ellipse">
+            <a:avLst/>
+          </a:prstGeom>
+          <a:gradFill flip="none" rotWithShape="1">
+            <a:gsLst>
+              <a:gs pos="70000">
+                <a:srgbClr val="E6A900">
+                  <a:alpha val="0"/>
+                </a:srgbClr>
+              </a:gs>
+              <a:gs pos="0">
+                <a:srgbClr val="FFC000">
+                  <a:shade val="100000"/>
+                  <a:satMod val="115000"/>
+                </a:srgbClr>
+              </a:gs>
+            </a:gsLst>
+            <a:path path="circle">
+              <a:fillToRect l="50000" t="50000" r="50000" b="50000"/>
+            </a:path>
+            <a:tileRect/>
+          </a:gradFill>
+          <a:ln>
+            <a:noFill/>
+          </a:ln>
+        </p:spPr>
+        <p:style>
+          <a:lnRef idx="2">
+            <a:schemeClr val="accent1">
+              <a:shade val="15000"/>
+            </a:schemeClr>
+          </a:lnRef>
+          <a:fillRef idx="1">
+            <a:schemeClr val="accent1"/>
+          </a:fillRef>
+          <a:effectRef idx="0">
+            <a:schemeClr val="accent1"/>
+          </a:effectRef>
+          <a:fontRef idx="minor">
+            <a:schemeClr val="lt1"/>
+          </a:fontRef>
+        </p:style>
+        <p:txBody>
+          <a:bodyPr rtlCol="0" anchor="ctr"/>
+          <a:lstStyle/>
+          <a:p>
+            <a:pPr algn="ctr"/>
+            <a:endParaRPr lang="en-GB" dirty="0"/>
+          </a:p>
+        </p:txBody>
+      </p:sp>
     </p:spTree>
     <p:extLst>
       <p:ext uri="{BB962C8B-B14F-4D97-AF65-F5344CB8AC3E}">
         <p14:creationId xmlns:p14="http://schemas.microsoft.com/office/powerpoint/2010/main" val="2345783557"/>
+      </p:ext>
+    </p:extLst>
+  </p:cSld>
+  <p:clrMapOvr>
+    <a:masterClrMapping/>
+  </p:clrMapOvr>
+</p:sld>
+</file>
+
+<file path=ppt/slides/slide2.xml><?xml version="1.0" encoding="utf-8"?>
+<p:sld xmlns:a="http://schemas.openxmlformats.org/drawingml/2006/main" xmlns:r="http://schemas.openxmlformats.org/officeDocument/2006/relationships" xmlns:p="http://schemas.openxmlformats.org/presentationml/2006/main">
+  <p:cSld>
+    <p:spTree>
+      <p:nvGrpSpPr>
+        <p:cNvPr id="1" name=""/>
+        <p:cNvGrpSpPr/>
+        <p:nvPr/>
+      </p:nvGrpSpPr>
+      <p:grpSpPr>
+        <a:xfrm>
+          <a:off x="0" y="0"/>
+          <a:ext cx="0" cy="0"/>
+          <a:chOff x="0" y="0"/>
+          <a:chExt cx="0" cy="0"/>
+        </a:xfrm>
+      </p:grpSpPr>
+      <p:grpSp>
+        <p:nvGrpSpPr>
+          <p:cNvPr id="29" name="Group 28">
+            <a:extLst>
+              <a:ext uri="{FF2B5EF4-FFF2-40B4-BE49-F238E27FC236}">
+                <a16:creationId xmlns:a16="http://schemas.microsoft.com/office/drawing/2014/main" id="{CF61F8F2-26A0-512B-284B-4D604BE744B8}"/>
+              </a:ext>
+            </a:extLst>
+          </p:cNvPr>
+          <p:cNvGrpSpPr/>
+          <p:nvPr/>
+        </p:nvGrpSpPr>
+        <p:grpSpPr>
+          <a:xfrm>
+            <a:off x="1791286" y="1276644"/>
+            <a:ext cx="1218819" cy="1579098"/>
+            <a:chOff x="1791286" y="1276644"/>
+            <a:chExt cx="1218819" cy="1579098"/>
+          </a:xfrm>
+        </p:grpSpPr>
+        <p:sp>
+          <p:nvSpPr>
+            <p:cNvPr id="4" name="Rectangle: Rounded Corners 3">
+              <a:extLst>
+                <a:ext uri="{FF2B5EF4-FFF2-40B4-BE49-F238E27FC236}">
+                  <a16:creationId xmlns:a16="http://schemas.microsoft.com/office/drawing/2014/main" id="{41A441A6-70C8-6D6F-2D7C-85B06DD51C56}"/>
+                </a:ext>
+              </a:extLst>
+            </p:cNvPr>
+            <p:cNvSpPr/>
+            <p:nvPr/>
+          </p:nvSpPr>
+          <p:spPr>
+            <a:xfrm>
+              <a:off x="1791286" y="1276644"/>
+              <a:ext cx="1218819" cy="1579098"/>
+            </a:xfrm>
+            <a:prstGeom prst="roundRect">
+              <a:avLst/>
+            </a:prstGeom>
+            <a:noFill/>
+            <a:ln w="76200">
+              <a:noFill/>
+            </a:ln>
+          </p:spPr>
+          <p:style>
+            <a:lnRef idx="2">
+              <a:schemeClr val="accent1">
+                <a:shade val="15000"/>
+              </a:schemeClr>
+            </a:lnRef>
+            <a:fillRef idx="1">
+              <a:schemeClr val="accent1"/>
+            </a:fillRef>
+            <a:effectRef idx="0">
+              <a:schemeClr val="accent1"/>
+            </a:effectRef>
+            <a:fontRef idx="minor">
+              <a:schemeClr val="lt1"/>
+            </a:fontRef>
+          </p:style>
+          <p:txBody>
+            <a:bodyPr rtlCol="0" anchor="ctr"/>
+            <a:lstStyle/>
+            <a:p>
+              <a:pPr algn="ctr"/>
+              <a:endParaRPr lang="en-GB" sz="4800" dirty="0">
+                <a:solidFill>
+                  <a:schemeClr val="tx1"/>
+                </a:solidFill>
+                <a:latin typeface="Amasis MT Pro Black" panose="02040A04050005020304" pitchFamily="18" charset="0"/>
+              </a:endParaRPr>
+            </a:p>
+          </p:txBody>
+        </p:sp>
+        <p:pic>
+          <p:nvPicPr>
+            <p:cNvPr id="13" name="Graphic 12" descr="Acorn with solid fill">
+              <a:extLst>
+                <a:ext uri="{FF2B5EF4-FFF2-40B4-BE49-F238E27FC236}">
+                  <a16:creationId xmlns:a16="http://schemas.microsoft.com/office/drawing/2014/main" id="{564521D3-F51A-D426-0B29-86A8992FC5B9}"/>
+                </a:ext>
+              </a:extLst>
+            </p:cNvPr>
+            <p:cNvPicPr>
+              <a:picLocks noChangeAspect="1"/>
+            </p:cNvPicPr>
+            <p:nvPr/>
+          </p:nvPicPr>
+          <p:blipFill>
+            <a:blip r:embed="rId3">
+              <a:extLst>
+                <a:ext uri="{96DAC541-7B7A-43D3-8B79-37D633B846F1}">
+                  <asvg:svgBlip xmlns:asvg="http://schemas.microsoft.com/office/drawing/2016/SVG/main" r:embed="rId4"/>
+                </a:ext>
+              </a:extLst>
+            </a:blip>
+            <a:stretch>
+              <a:fillRect/>
+            </a:stretch>
+          </p:blipFill>
+          <p:spPr>
+            <a:xfrm>
+              <a:off x="1943494" y="1616613"/>
+              <a:ext cx="914400" cy="914400"/>
+            </a:xfrm>
+            <a:prstGeom prst="rect">
+              <a:avLst/>
+            </a:prstGeom>
+          </p:spPr>
+        </p:pic>
+      </p:grpSp>
+      <p:grpSp>
+        <p:nvGrpSpPr>
+          <p:cNvPr id="30" name="Group 29">
+            <a:extLst>
+              <a:ext uri="{FF2B5EF4-FFF2-40B4-BE49-F238E27FC236}">
+                <a16:creationId xmlns:a16="http://schemas.microsoft.com/office/drawing/2014/main" id="{ED3DA6DB-F2E1-0559-C951-0B3EC18F93FB}"/>
+              </a:ext>
+            </a:extLst>
+          </p:cNvPr>
+          <p:cNvGrpSpPr/>
+          <p:nvPr/>
+        </p:nvGrpSpPr>
+        <p:grpSpPr>
+          <a:xfrm>
+            <a:off x="3598750" y="1276644"/>
+            <a:ext cx="1218819" cy="1579098"/>
+            <a:chOff x="3598750" y="1276644"/>
+            <a:chExt cx="1218819" cy="1579098"/>
+          </a:xfrm>
+        </p:grpSpPr>
+        <p:sp>
+          <p:nvSpPr>
+            <p:cNvPr id="5" name="Rectangle: Rounded Corners 4">
+              <a:extLst>
+                <a:ext uri="{FF2B5EF4-FFF2-40B4-BE49-F238E27FC236}">
+                  <a16:creationId xmlns:a16="http://schemas.microsoft.com/office/drawing/2014/main" id="{7B5C9CCD-1295-DE9A-36A0-8B51BA35EACE}"/>
+                </a:ext>
+              </a:extLst>
+            </p:cNvPr>
+            <p:cNvSpPr/>
+            <p:nvPr/>
+          </p:nvSpPr>
+          <p:spPr>
+            <a:xfrm>
+              <a:off x="3598750" y="1276644"/>
+              <a:ext cx="1218819" cy="1579098"/>
+            </a:xfrm>
+            <a:prstGeom prst="roundRect">
+              <a:avLst/>
+            </a:prstGeom>
+            <a:noFill/>
+            <a:ln w="76200">
+              <a:noFill/>
+            </a:ln>
+          </p:spPr>
+          <p:style>
+            <a:lnRef idx="2">
+              <a:schemeClr val="accent1">
+                <a:shade val="15000"/>
+              </a:schemeClr>
+            </a:lnRef>
+            <a:fillRef idx="1">
+              <a:schemeClr val="accent1"/>
+            </a:fillRef>
+            <a:effectRef idx="0">
+              <a:schemeClr val="accent1"/>
+            </a:effectRef>
+            <a:fontRef idx="minor">
+              <a:schemeClr val="lt1"/>
+            </a:fontRef>
+          </p:style>
+          <p:txBody>
+            <a:bodyPr rtlCol="0" anchor="ctr"/>
+            <a:lstStyle/>
+            <a:p>
+              <a:pPr algn="ctr"/>
+              <a:endParaRPr lang="en-GB" sz="4800" dirty="0">
+                <a:solidFill>
+                  <a:schemeClr val="tx1"/>
+                </a:solidFill>
+                <a:latin typeface="Amasis MT Pro Black" panose="02040A04050005020304" pitchFamily="18" charset="0"/>
+              </a:endParaRPr>
+            </a:p>
+          </p:txBody>
+        </p:sp>
+        <p:pic>
+          <p:nvPicPr>
+            <p:cNvPr id="16" name="Graphic 15" descr="Africa with solid fill">
+              <a:extLst>
+                <a:ext uri="{FF2B5EF4-FFF2-40B4-BE49-F238E27FC236}">
+                  <a16:creationId xmlns:a16="http://schemas.microsoft.com/office/drawing/2014/main" id="{80EB6681-5438-01AF-81DC-58EE3919AEEE}"/>
+                </a:ext>
+              </a:extLst>
+            </p:cNvPr>
+            <p:cNvPicPr>
+              <a:picLocks noChangeAspect="1"/>
+            </p:cNvPicPr>
+            <p:nvPr/>
+          </p:nvPicPr>
+          <p:blipFill>
+            <a:blip r:embed="rId5">
+              <a:extLst>
+                <a:ext uri="{96DAC541-7B7A-43D3-8B79-37D633B846F1}">
+                  <asvg:svgBlip xmlns:asvg="http://schemas.microsoft.com/office/drawing/2016/SVG/main" r:embed="rId6"/>
+                </a:ext>
+              </a:extLst>
+            </a:blip>
+            <a:stretch>
+              <a:fillRect/>
+            </a:stretch>
+          </p:blipFill>
+          <p:spPr>
+            <a:xfrm>
+              <a:off x="3750959" y="1616613"/>
+              <a:ext cx="914400" cy="914400"/>
+            </a:xfrm>
+            <a:prstGeom prst="rect">
+              <a:avLst/>
+            </a:prstGeom>
+          </p:spPr>
+        </p:pic>
+      </p:grpSp>
+      <p:grpSp>
+        <p:nvGrpSpPr>
+          <p:cNvPr id="38" name="Group 37">
+            <a:extLst>
+              <a:ext uri="{FF2B5EF4-FFF2-40B4-BE49-F238E27FC236}">
+                <a16:creationId xmlns:a16="http://schemas.microsoft.com/office/drawing/2014/main" id="{77B5189C-EAAC-7DAF-15F5-83290FAD7C01}"/>
+              </a:ext>
+            </a:extLst>
+          </p:cNvPr>
+          <p:cNvGrpSpPr/>
+          <p:nvPr/>
+        </p:nvGrpSpPr>
+        <p:grpSpPr>
+          <a:xfrm>
+            <a:off x="1791285" y="3120684"/>
+            <a:ext cx="1218819" cy="1579098"/>
+            <a:chOff x="1791285" y="3120684"/>
+            <a:chExt cx="1218819" cy="1579098"/>
+          </a:xfrm>
+        </p:grpSpPr>
+        <p:sp>
+          <p:nvSpPr>
+            <p:cNvPr id="8" name="Rectangle: Rounded Corners 7">
+              <a:extLst>
+                <a:ext uri="{FF2B5EF4-FFF2-40B4-BE49-F238E27FC236}">
+                  <a16:creationId xmlns:a16="http://schemas.microsoft.com/office/drawing/2014/main" id="{96FF0652-2600-A52F-AE2C-683FA1168053}"/>
+                </a:ext>
+              </a:extLst>
+            </p:cNvPr>
+            <p:cNvSpPr/>
+            <p:nvPr/>
+          </p:nvSpPr>
+          <p:spPr>
+            <a:xfrm>
+              <a:off x="1791285" y="3120684"/>
+              <a:ext cx="1218819" cy="1579098"/>
+            </a:xfrm>
+            <a:prstGeom prst="roundRect">
+              <a:avLst/>
+            </a:prstGeom>
+            <a:noFill/>
+            <a:ln w="76200">
+              <a:noFill/>
+            </a:ln>
+          </p:spPr>
+          <p:style>
+            <a:lnRef idx="2">
+              <a:schemeClr val="accent1">
+                <a:shade val="15000"/>
+              </a:schemeClr>
+            </a:lnRef>
+            <a:fillRef idx="1">
+              <a:schemeClr val="accent1"/>
+            </a:fillRef>
+            <a:effectRef idx="0">
+              <a:schemeClr val="accent1"/>
+            </a:effectRef>
+            <a:fontRef idx="minor">
+              <a:schemeClr val="lt1"/>
+            </a:fontRef>
+          </p:style>
+          <p:txBody>
+            <a:bodyPr rtlCol="0" anchor="ctr"/>
+            <a:lstStyle/>
+            <a:p>
+              <a:pPr algn="ctr"/>
+              <a:endParaRPr lang="en-GB" sz="4800" dirty="0">
+                <a:solidFill>
+                  <a:schemeClr val="tx1"/>
+                </a:solidFill>
+                <a:latin typeface="Amasis MT Pro Black" panose="02040A04050005020304" pitchFamily="18" charset="0"/>
+              </a:endParaRPr>
+            </a:p>
+          </p:txBody>
+        </p:sp>
+        <p:pic>
+          <p:nvPicPr>
+            <p:cNvPr id="18" name="Graphic 17" descr="Airplane with solid fill">
+              <a:extLst>
+                <a:ext uri="{FF2B5EF4-FFF2-40B4-BE49-F238E27FC236}">
+                  <a16:creationId xmlns:a16="http://schemas.microsoft.com/office/drawing/2014/main" id="{EA1E275D-B0D7-332E-0AC9-5718D0764B08}"/>
+                </a:ext>
+              </a:extLst>
+            </p:cNvPr>
+            <p:cNvPicPr>
+              <a:picLocks noChangeAspect="1"/>
+            </p:cNvPicPr>
+            <p:nvPr/>
+          </p:nvPicPr>
+          <p:blipFill>
+            <a:blip r:embed="rId7">
+              <a:extLst>
+                <a:ext uri="{96DAC541-7B7A-43D3-8B79-37D633B846F1}">
+                  <asvg:svgBlip xmlns:asvg="http://schemas.microsoft.com/office/drawing/2016/SVG/main" r:embed="rId8"/>
+                </a:ext>
+              </a:extLst>
+            </a:blip>
+            <a:stretch>
+              <a:fillRect/>
+            </a:stretch>
+          </p:blipFill>
+          <p:spPr>
+            <a:xfrm>
+              <a:off x="1959356" y="3453033"/>
+              <a:ext cx="914400" cy="914400"/>
+            </a:xfrm>
+            <a:prstGeom prst="rect">
+              <a:avLst/>
+            </a:prstGeom>
+          </p:spPr>
+        </p:pic>
+      </p:grpSp>
+      <p:grpSp>
+        <p:nvGrpSpPr>
+          <p:cNvPr id="31" name="Group 30">
+            <a:extLst>
+              <a:ext uri="{FF2B5EF4-FFF2-40B4-BE49-F238E27FC236}">
+                <a16:creationId xmlns:a16="http://schemas.microsoft.com/office/drawing/2014/main" id="{A88E7EDC-9B25-53F2-CB0B-740FEF3DBC89}"/>
+              </a:ext>
+            </a:extLst>
+          </p:cNvPr>
+          <p:cNvGrpSpPr/>
+          <p:nvPr/>
+        </p:nvGrpSpPr>
+        <p:grpSpPr>
+          <a:xfrm>
+            <a:off x="5305630" y="1276644"/>
+            <a:ext cx="1218819" cy="1579098"/>
+            <a:chOff x="5305630" y="1276644"/>
+            <a:chExt cx="1218819" cy="1579098"/>
+          </a:xfrm>
+        </p:grpSpPr>
+        <p:sp>
+          <p:nvSpPr>
+            <p:cNvPr id="7" name="Rectangle: Rounded Corners 6">
+              <a:extLst>
+                <a:ext uri="{FF2B5EF4-FFF2-40B4-BE49-F238E27FC236}">
+                  <a16:creationId xmlns:a16="http://schemas.microsoft.com/office/drawing/2014/main" id="{407BD513-1368-F10B-21F7-4F832A09541F}"/>
+                </a:ext>
+              </a:extLst>
+            </p:cNvPr>
+            <p:cNvSpPr/>
+            <p:nvPr/>
+          </p:nvSpPr>
+          <p:spPr>
+            <a:xfrm>
+              <a:off x="5305630" y="1276644"/>
+              <a:ext cx="1218819" cy="1579098"/>
+            </a:xfrm>
+            <a:prstGeom prst="roundRect">
+              <a:avLst/>
+            </a:prstGeom>
+            <a:noFill/>
+            <a:ln w="76200">
+              <a:noFill/>
+            </a:ln>
+          </p:spPr>
+          <p:style>
+            <a:lnRef idx="2">
+              <a:schemeClr val="accent1">
+                <a:shade val="15000"/>
+              </a:schemeClr>
+            </a:lnRef>
+            <a:fillRef idx="1">
+              <a:schemeClr val="accent1"/>
+            </a:fillRef>
+            <a:effectRef idx="0">
+              <a:schemeClr val="accent1"/>
+            </a:effectRef>
+            <a:fontRef idx="minor">
+              <a:schemeClr val="lt1"/>
+            </a:fontRef>
+          </p:style>
+          <p:txBody>
+            <a:bodyPr rtlCol="0" anchor="ctr"/>
+            <a:lstStyle/>
+            <a:p>
+              <a:pPr algn="ctr"/>
+              <a:endParaRPr lang="en-GB" sz="4800" dirty="0">
+                <a:solidFill>
+                  <a:schemeClr val="tx1"/>
+                </a:solidFill>
+                <a:latin typeface="Amasis MT Pro Black" panose="02040A04050005020304" pitchFamily="18" charset="0"/>
+              </a:endParaRPr>
+            </a:p>
+          </p:txBody>
+        </p:sp>
+        <p:pic>
+          <p:nvPicPr>
+            <p:cNvPr id="20" name="Graphic 19" descr="Alterations &amp; Tailoring with solid fill">
+              <a:extLst>
+                <a:ext uri="{FF2B5EF4-FFF2-40B4-BE49-F238E27FC236}">
+                  <a16:creationId xmlns:a16="http://schemas.microsoft.com/office/drawing/2014/main" id="{1EEA6787-BF81-493F-7C86-36B4F6BB577F}"/>
+                </a:ext>
+              </a:extLst>
+            </p:cNvPr>
+            <p:cNvPicPr>
+              <a:picLocks noChangeAspect="1"/>
+            </p:cNvPicPr>
+            <p:nvPr/>
+          </p:nvPicPr>
+          <p:blipFill>
+            <a:blip r:embed="rId9">
+              <a:extLst>
+                <a:ext uri="{96DAC541-7B7A-43D3-8B79-37D633B846F1}">
+                  <asvg:svgBlip xmlns:asvg="http://schemas.microsoft.com/office/drawing/2016/SVG/main" r:embed="rId10"/>
+                </a:ext>
+              </a:extLst>
+            </a:blip>
+            <a:stretch>
+              <a:fillRect/>
+            </a:stretch>
+          </p:blipFill>
+          <p:spPr>
+            <a:xfrm>
+              <a:off x="5474400" y="1674084"/>
+              <a:ext cx="914400" cy="914400"/>
+            </a:xfrm>
+            <a:prstGeom prst="rect">
+              <a:avLst/>
+            </a:prstGeom>
+          </p:spPr>
+        </p:pic>
+      </p:grpSp>
+      <p:grpSp>
+        <p:nvGrpSpPr>
+          <p:cNvPr id="32" name="Group 31">
+            <a:extLst>
+              <a:ext uri="{FF2B5EF4-FFF2-40B4-BE49-F238E27FC236}">
+                <a16:creationId xmlns:a16="http://schemas.microsoft.com/office/drawing/2014/main" id="{E4C2D0A4-35FC-C4C1-6947-96A861DA7C09}"/>
+              </a:ext>
+            </a:extLst>
+          </p:cNvPr>
+          <p:cNvGrpSpPr/>
+          <p:nvPr/>
+        </p:nvGrpSpPr>
+        <p:grpSpPr>
+          <a:xfrm>
+            <a:off x="6896686" y="1276644"/>
+            <a:ext cx="1218819" cy="1579098"/>
+            <a:chOff x="6896686" y="1276644"/>
+            <a:chExt cx="1218819" cy="1579098"/>
+          </a:xfrm>
+        </p:grpSpPr>
+        <p:sp>
+          <p:nvSpPr>
+            <p:cNvPr id="6" name="Rectangle: Rounded Corners 5">
+              <a:extLst>
+                <a:ext uri="{FF2B5EF4-FFF2-40B4-BE49-F238E27FC236}">
+                  <a16:creationId xmlns:a16="http://schemas.microsoft.com/office/drawing/2014/main" id="{AE56EA74-C1B9-04DA-5619-EDB06F43C597}"/>
+                </a:ext>
+              </a:extLst>
+            </p:cNvPr>
+            <p:cNvSpPr/>
+            <p:nvPr/>
+          </p:nvSpPr>
+          <p:spPr>
+            <a:xfrm>
+              <a:off x="6896686" y="1276644"/>
+              <a:ext cx="1218819" cy="1579098"/>
+            </a:xfrm>
+            <a:prstGeom prst="roundRect">
+              <a:avLst/>
+            </a:prstGeom>
+            <a:noFill/>
+            <a:ln w="76200">
+              <a:noFill/>
+            </a:ln>
+          </p:spPr>
+          <p:style>
+            <a:lnRef idx="2">
+              <a:schemeClr val="accent1">
+                <a:shade val="15000"/>
+              </a:schemeClr>
+            </a:lnRef>
+            <a:fillRef idx="1">
+              <a:schemeClr val="accent1"/>
+            </a:fillRef>
+            <a:effectRef idx="0">
+              <a:schemeClr val="accent1"/>
+            </a:effectRef>
+            <a:fontRef idx="minor">
+              <a:schemeClr val="lt1"/>
+            </a:fontRef>
+          </p:style>
+          <p:txBody>
+            <a:bodyPr rtlCol="0" anchor="ctr"/>
+            <a:lstStyle/>
+            <a:p>
+              <a:pPr algn="ctr"/>
+              <a:endParaRPr lang="en-GB" sz="4800" dirty="0">
+                <a:solidFill>
+                  <a:schemeClr val="tx1"/>
+                </a:solidFill>
+                <a:latin typeface="Amasis MT Pro Black" panose="02040A04050005020304" pitchFamily="18" charset="0"/>
+              </a:endParaRPr>
+            </a:p>
+          </p:txBody>
+        </p:sp>
+        <p:pic>
+          <p:nvPicPr>
+            <p:cNvPr id="22" name="Graphic 21" descr="Angry face with solid fill with solid fill">
+              <a:extLst>
+                <a:ext uri="{FF2B5EF4-FFF2-40B4-BE49-F238E27FC236}">
+                  <a16:creationId xmlns:a16="http://schemas.microsoft.com/office/drawing/2014/main" id="{05ED9571-0F5D-0BB3-D586-70ABD9BE0AAF}"/>
+                </a:ext>
+              </a:extLst>
+            </p:cNvPr>
+            <p:cNvPicPr>
+              <a:picLocks noChangeAspect="1"/>
+            </p:cNvPicPr>
+            <p:nvPr/>
+          </p:nvPicPr>
+          <p:blipFill>
+            <a:blip r:embed="rId11">
+              <a:extLst>
+                <a:ext uri="{96DAC541-7B7A-43D3-8B79-37D633B846F1}">
+                  <asvg:svgBlip xmlns:asvg="http://schemas.microsoft.com/office/drawing/2016/SVG/main" r:embed="rId12"/>
+                </a:ext>
+              </a:extLst>
+            </a:blip>
+            <a:stretch>
+              <a:fillRect/>
+            </a:stretch>
+          </p:blipFill>
+          <p:spPr>
+            <a:xfrm>
+              <a:off x="7048895" y="1635495"/>
+              <a:ext cx="914400" cy="914400"/>
+            </a:xfrm>
+            <a:prstGeom prst="rect">
+              <a:avLst/>
+            </a:prstGeom>
+          </p:spPr>
+        </p:pic>
+      </p:grpSp>
+      <p:grpSp>
+        <p:nvGrpSpPr>
+          <p:cNvPr id="33" name="Group 32">
+            <a:extLst>
+              <a:ext uri="{FF2B5EF4-FFF2-40B4-BE49-F238E27FC236}">
+                <a16:creationId xmlns:a16="http://schemas.microsoft.com/office/drawing/2014/main" id="{733A47C6-83A3-981A-8073-543A9EBE48D0}"/>
+              </a:ext>
+            </a:extLst>
+          </p:cNvPr>
+          <p:cNvGrpSpPr/>
+          <p:nvPr/>
+        </p:nvGrpSpPr>
+        <p:grpSpPr>
+          <a:xfrm>
+            <a:off x="6959375" y="3089853"/>
+            <a:ext cx="1218819" cy="1579098"/>
+            <a:chOff x="6959375" y="3089853"/>
+            <a:chExt cx="1218819" cy="1579098"/>
+          </a:xfrm>
+        </p:grpSpPr>
+        <p:sp>
+          <p:nvSpPr>
+            <p:cNvPr id="11" name="Rectangle: Rounded Corners 10">
+              <a:extLst>
+                <a:ext uri="{FF2B5EF4-FFF2-40B4-BE49-F238E27FC236}">
+                  <a16:creationId xmlns:a16="http://schemas.microsoft.com/office/drawing/2014/main" id="{6E73FF02-DEE7-DE16-DAA8-93795D819A10}"/>
+                </a:ext>
+              </a:extLst>
+            </p:cNvPr>
+            <p:cNvSpPr/>
+            <p:nvPr/>
+          </p:nvSpPr>
+          <p:spPr>
+            <a:xfrm>
+              <a:off x="6959375" y="3089853"/>
+              <a:ext cx="1218819" cy="1579098"/>
+            </a:xfrm>
+            <a:prstGeom prst="roundRect">
+              <a:avLst/>
+            </a:prstGeom>
+            <a:noFill/>
+            <a:ln w="76200">
+              <a:noFill/>
+            </a:ln>
+          </p:spPr>
+          <p:style>
+            <a:lnRef idx="2">
+              <a:schemeClr val="accent1">
+                <a:shade val="15000"/>
+              </a:schemeClr>
+            </a:lnRef>
+            <a:fillRef idx="1">
+              <a:schemeClr val="accent1"/>
+            </a:fillRef>
+            <a:effectRef idx="0">
+              <a:schemeClr val="accent1"/>
+            </a:effectRef>
+            <a:fontRef idx="minor">
+              <a:schemeClr val="lt1"/>
+            </a:fontRef>
+          </p:style>
+          <p:txBody>
+            <a:bodyPr rtlCol="0" anchor="ctr"/>
+            <a:lstStyle/>
+            <a:p>
+              <a:pPr algn="ctr"/>
+              <a:endParaRPr lang="en-GB" sz="4800" dirty="0">
+                <a:solidFill>
+                  <a:schemeClr val="tx1"/>
+                </a:solidFill>
+                <a:latin typeface="Amasis MT Pro Black" panose="02040A04050005020304" pitchFamily="18" charset="0"/>
+              </a:endParaRPr>
+            </a:p>
+          </p:txBody>
+        </p:sp>
+        <p:pic>
+          <p:nvPicPr>
+            <p:cNvPr id="24" name="Graphic 23" descr="Ant with solid fill">
+              <a:extLst>
+                <a:ext uri="{FF2B5EF4-FFF2-40B4-BE49-F238E27FC236}">
+                  <a16:creationId xmlns:a16="http://schemas.microsoft.com/office/drawing/2014/main" id="{CA41C81F-092F-4636-A908-C319E4FB6AAC}"/>
+                </a:ext>
+              </a:extLst>
+            </p:cNvPr>
+            <p:cNvPicPr>
+              <a:picLocks noChangeAspect="1"/>
+            </p:cNvPicPr>
+            <p:nvPr/>
+          </p:nvPicPr>
+          <p:blipFill>
+            <a:blip r:embed="rId13">
+              <a:extLst>
+                <a:ext uri="{96DAC541-7B7A-43D3-8B79-37D633B846F1}">
+                  <asvg:svgBlip xmlns:asvg="http://schemas.microsoft.com/office/drawing/2016/SVG/main" r:embed="rId14"/>
+                </a:ext>
+              </a:extLst>
+            </a:blip>
+            <a:stretch>
+              <a:fillRect/>
+            </a:stretch>
+          </p:blipFill>
+          <p:spPr>
+            <a:xfrm>
+              <a:off x="7111584" y="3422202"/>
+              <a:ext cx="914400" cy="914400"/>
+            </a:xfrm>
+            <a:prstGeom prst="rect">
+              <a:avLst/>
+            </a:prstGeom>
+          </p:spPr>
+        </p:pic>
+      </p:grpSp>
+      <p:grpSp>
+        <p:nvGrpSpPr>
+          <p:cNvPr id="34" name="Group 33">
+            <a:extLst>
+              <a:ext uri="{FF2B5EF4-FFF2-40B4-BE49-F238E27FC236}">
+                <a16:creationId xmlns:a16="http://schemas.microsoft.com/office/drawing/2014/main" id="{80A39DC6-5292-D203-3CB3-4DD2F3C6EE28}"/>
+              </a:ext>
+            </a:extLst>
+          </p:cNvPr>
+          <p:cNvGrpSpPr/>
+          <p:nvPr/>
+        </p:nvGrpSpPr>
+        <p:grpSpPr>
+          <a:xfrm>
+            <a:off x="5305630" y="3120684"/>
+            <a:ext cx="1218819" cy="1579098"/>
+            <a:chOff x="5305630" y="3120684"/>
+            <a:chExt cx="1218819" cy="1579098"/>
+          </a:xfrm>
+        </p:grpSpPr>
+        <p:sp>
+          <p:nvSpPr>
+            <p:cNvPr id="10" name="Rectangle: Rounded Corners 9">
+              <a:extLst>
+                <a:ext uri="{FF2B5EF4-FFF2-40B4-BE49-F238E27FC236}">
+                  <a16:creationId xmlns:a16="http://schemas.microsoft.com/office/drawing/2014/main" id="{2C6BAFFC-C3A0-2FA4-D490-61813E5DD519}"/>
+                </a:ext>
+              </a:extLst>
+            </p:cNvPr>
+            <p:cNvSpPr/>
+            <p:nvPr/>
+          </p:nvSpPr>
+          <p:spPr>
+            <a:xfrm>
+              <a:off x="5305630" y="3120684"/>
+              <a:ext cx="1218819" cy="1579098"/>
+            </a:xfrm>
+            <a:prstGeom prst="roundRect">
+              <a:avLst/>
+            </a:prstGeom>
+            <a:noFill/>
+            <a:ln w="76200">
+              <a:noFill/>
+            </a:ln>
+          </p:spPr>
+          <p:style>
+            <a:lnRef idx="2">
+              <a:schemeClr val="accent1">
+                <a:shade val="15000"/>
+              </a:schemeClr>
+            </a:lnRef>
+            <a:fillRef idx="1">
+              <a:schemeClr val="accent1"/>
+            </a:fillRef>
+            <a:effectRef idx="0">
+              <a:schemeClr val="accent1"/>
+            </a:effectRef>
+            <a:fontRef idx="minor">
+              <a:schemeClr val="lt1"/>
+            </a:fontRef>
+          </p:style>
+          <p:txBody>
+            <a:bodyPr rtlCol="0" anchor="ctr"/>
+            <a:lstStyle/>
+            <a:p>
+              <a:pPr algn="ctr"/>
+              <a:endParaRPr lang="en-GB" sz="4800" dirty="0">
+                <a:solidFill>
+                  <a:schemeClr val="tx1"/>
+                </a:solidFill>
+                <a:latin typeface="Amasis MT Pro Black" panose="02040A04050005020304" pitchFamily="18" charset="0"/>
+              </a:endParaRPr>
+            </a:p>
+          </p:txBody>
+        </p:sp>
+        <p:pic>
+          <p:nvPicPr>
+            <p:cNvPr id="26" name="Graphic 25" descr="Apple with solid fill">
+              <a:extLst>
+                <a:ext uri="{FF2B5EF4-FFF2-40B4-BE49-F238E27FC236}">
+                  <a16:creationId xmlns:a16="http://schemas.microsoft.com/office/drawing/2014/main" id="{4A393D8F-0D1D-AE6E-658F-5FB120F335C6}"/>
+                </a:ext>
+              </a:extLst>
+            </p:cNvPr>
+            <p:cNvPicPr>
+              <a:picLocks noChangeAspect="1"/>
+            </p:cNvPicPr>
+            <p:nvPr/>
+          </p:nvPicPr>
+          <p:blipFill>
+            <a:blip r:embed="rId15">
+              <a:extLst>
+                <a:ext uri="{96DAC541-7B7A-43D3-8B79-37D633B846F1}">
+                  <asvg:svgBlip xmlns:asvg="http://schemas.microsoft.com/office/drawing/2016/SVG/main" r:embed="rId16"/>
+                </a:ext>
+              </a:extLst>
+            </a:blip>
+            <a:stretch>
+              <a:fillRect/>
+            </a:stretch>
+          </p:blipFill>
+          <p:spPr>
+            <a:xfrm>
+              <a:off x="5458222" y="3453033"/>
+              <a:ext cx="914400" cy="914400"/>
+            </a:xfrm>
+            <a:prstGeom prst="rect">
+              <a:avLst/>
+            </a:prstGeom>
+          </p:spPr>
+        </p:pic>
+      </p:grpSp>
+      <p:grpSp>
+        <p:nvGrpSpPr>
+          <p:cNvPr id="37" name="Group 36">
+            <a:extLst>
+              <a:ext uri="{FF2B5EF4-FFF2-40B4-BE49-F238E27FC236}">
+                <a16:creationId xmlns:a16="http://schemas.microsoft.com/office/drawing/2014/main" id="{3B9DB4CF-3A29-6649-E4B1-F06E59FB8369}"/>
+              </a:ext>
+            </a:extLst>
+          </p:cNvPr>
+          <p:cNvGrpSpPr/>
+          <p:nvPr/>
+        </p:nvGrpSpPr>
+        <p:grpSpPr>
+          <a:xfrm>
+            <a:off x="3598750" y="3120684"/>
+            <a:ext cx="1218819" cy="1579098"/>
+            <a:chOff x="3598750" y="3120684"/>
+            <a:chExt cx="1218819" cy="1579098"/>
+          </a:xfrm>
+        </p:grpSpPr>
+        <p:sp>
+          <p:nvSpPr>
+            <p:cNvPr id="9" name="Rectangle: Rounded Corners 8">
+              <a:extLst>
+                <a:ext uri="{FF2B5EF4-FFF2-40B4-BE49-F238E27FC236}">
+                  <a16:creationId xmlns:a16="http://schemas.microsoft.com/office/drawing/2014/main" id="{CC434B74-A605-495E-77DC-78A192A6B0CB}"/>
+                </a:ext>
+              </a:extLst>
+            </p:cNvPr>
+            <p:cNvSpPr/>
+            <p:nvPr/>
+          </p:nvSpPr>
+          <p:spPr>
+            <a:xfrm>
+              <a:off x="3598750" y="3120684"/>
+              <a:ext cx="1218819" cy="1579098"/>
+            </a:xfrm>
+            <a:prstGeom prst="roundRect">
+              <a:avLst/>
+            </a:prstGeom>
+            <a:noFill/>
+            <a:ln w="76200">
+              <a:noFill/>
+            </a:ln>
+          </p:spPr>
+          <p:style>
+            <a:lnRef idx="2">
+              <a:schemeClr val="accent1">
+                <a:shade val="15000"/>
+              </a:schemeClr>
+            </a:lnRef>
+            <a:fillRef idx="1">
+              <a:schemeClr val="accent1"/>
+            </a:fillRef>
+            <a:effectRef idx="0">
+              <a:schemeClr val="accent1"/>
+            </a:effectRef>
+            <a:fontRef idx="minor">
+              <a:schemeClr val="lt1"/>
+            </a:fontRef>
+          </p:style>
+          <p:txBody>
+            <a:bodyPr rtlCol="0" anchor="ctr"/>
+            <a:lstStyle/>
+            <a:p>
+              <a:pPr algn="ctr"/>
+              <a:endParaRPr lang="en-GB" sz="4800" dirty="0">
+                <a:solidFill>
+                  <a:schemeClr val="tx1"/>
+                </a:solidFill>
+                <a:latin typeface="Amasis MT Pro Black" panose="02040A04050005020304" pitchFamily="18" charset="0"/>
+              </a:endParaRPr>
+            </a:p>
+          </p:txBody>
+        </p:sp>
+        <p:pic>
+          <p:nvPicPr>
+            <p:cNvPr id="28" name="Graphic 27" descr="Asian Temple with solid fill">
+              <a:extLst>
+                <a:ext uri="{FF2B5EF4-FFF2-40B4-BE49-F238E27FC236}">
+                  <a16:creationId xmlns:a16="http://schemas.microsoft.com/office/drawing/2014/main" id="{E11E44F7-D018-1E40-3598-03C6AED35F40}"/>
+                </a:ext>
+              </a:extLst>
+            </p:cNvPr>
+            <p:cNvPicPr>
+              <a:picLocks noChangeAspect="1"/>
+            </p:cNvPicPr>
+            <p:nvPr/>
+          </p:nvPicPr>
+          <p:blipFill>
+            <a:blip r:embed="rId17">
+              <a:extLst>
+                <a:ext uri="{96DAC541-7B7A-43D3-8B79-37D633B846F1}">
+                  <asvg:svgBlip xmlns:asvg="http://schemas.microsoft.com/office/drawing/2016/SVG/main" r:embed="rId18"/>
+                </a:ext>
+              </a:extLst>
+            </a:blip>
+            <a:stretch>
+              <a:fillRect/>
+            </a:stretch>
+          </p:blipFill>
+          <p:spPr>
+            <a:xfrm>
+              <a:off x="3791881" y="3453033"/>
+              <a:ext cx="914400" cy="914400"/>
+            </a:xfrm>
+            <a:prstGeom prst="rect">
+              <a:avLst/>
+            </a:prstGeom>
+          </p:spPr>
+        </p:pic>
+      </p:grpSp>
+      <p:grpSp>
+        <p:nvGrpSpPr>
+          <p:cNvPr id="49" name="Group 48">
+            <a:extLst>
+              <a:ext uri="{FF2B5EF4-FFF2-40B4-BE49-F238E27FC236}">
+                <a16:creationId xmlns:a16="http://schemas.microsoft.com/office/drawing/2014/main" id="{EE8831B2-DF35-39FB-6282-1FAFB3825450}"/>
+              </a:ext>
+            </a:extLst>
+          </p:cNvPr>
+          <p:cNvGrpSpPr/>
+          <p:nvPr/>
+        </p:nvGrpSpPr>
+        <p:grpSpPr>
+          <a:xfrm>
+            <a:off x="6959375" y="4903062"/>
+            <a:ext cx="1218819" cy="1579098"/>
+            <a:chOff x="6959375" y="4903062"/>
+            <a:chExt cx="1218819" cy="1579098"/>
+          </a:xfrm>
+        </p:grpSpPr>
+        <p:sp>
+          <p:nvSpPr>
+            <p:cNvPr id="15" name="Rectangle: Rounded Corners 14">
+              <a:extLst>
+                <a:ext uri="{FF2B5EF4-FFF2-40B4-BE49-F238E27FC236}">
+                  <a16:creationId xmlns:a16="http://schemas.microsoft.com/office/drawing/2014/main" id="{262E8D21-F5E6-E73C-2D84-B890F808209A}"/>
+                </a:ext>
+              </a:extLst>
+            </p:cNvPr>
+            <p:cNvSpPr/>
+            <p:nvPr/>
+          </p:nvSpPr>
+          <p:spPr>
+            <a:xfrm>
+              <a:off x="6959375" y="4903062"/>
+              <a:ext cx="1218819" cy="1579098"/>
+            </a:xfrm>
+            <a:prstGeom prst="roundRect">
+              <a:avLst/>
+            </a:prstGeom>
+            <a:noFill/>
+            <a:ln w="76200">
+              <a:noFill/>
+            </a:ln>
+          </p:spPr>
+          <p:style>
+            <a:lnRef idx="2">
+              <a:schemeClr val="accent1">
+                <a:shade val="15000"/>
+              </a:schemeClr>
+            </a:lnRef>
+            <a:fillRef idx="1">
+              <a:schemeClr val="accent1"/>
+            </a:fillRef>
+            <a:effectRef idx="0">
+              <a:schemeClr val="accent1"/>
+            </a:effectRef>
+            <a:fontRef idx="minor">
+              <a:schemeClr val="lt1"/>
+            </a:fontRef>
+          </p:style>
+          <p:txBody>
+            <a:bodyPr rtlCol="0" anchor="ctr"/>
+            <a:lstStyle/>
+            <a:p>
+              <a:pPr algn="ctr"/>
+              <a:endParaRPr lang="en-GB" sz="4800" dirty="0">
+                <a:solidFill>
+                  <a:schemeClr val="tx1"/>
+                </a:solidFill>
+                <a:latin typeface="Amasis MT Pro Black" panose="02040A04050005020304" pitchFamily="18" charset="0"/>
+              </a:endParaRPr>
+            </a:p>
+          </p:txBody>
+        </p:sp>
+        <p:pic>
+          <p:nvPicPr>
+            <p:cNvPr id="39" name="Graphic 38" descr="Alterations &amp; Tailoring with solid fill">
+              <a:extLst>
+                <a:ext uri="{FF2B5EF4-FFF2-40B4-BE49-F238E27FC236}">
+                  <a16:creationId xmlns:a16="http://schemas.microsoft.com/office/drawing/2014/main" id="{369409BE-1FD1-50F9-CB1B-0B4718F526E0}"/>
+                </a:ext>
+              </a:extLst>
+            </p:cNvPr>
+            <p:cNvPicPr>
+              <a:picLocks noChangeAspect="1"/>
+            </p:cNvPicPr>
+            <p:nvPr/>
+          </p:nvPicPr>
+          <p:blipFill>
+            <a:blip r:embed="rId19">
+              <a:extLst>
+                <a:ext uri="{96DAC541-7B7A-43D3-8B79-37D633B846F1}">
+                  <asvg:svgBlip xmlns:asvg="http://schemas.microsoft.com/office/drawing/2016/SVG/main" r:embed="rId20"/>
+                </a:ext>
+              </a:extLst>
+            </a:blip>
+            <a:stretch>
+              <a:fillRect/>
+            </a:stretch>
+          </p:blipFill>
+          <p:spPr>
+            <a:xfrm>
+              <a:off x="7111584" y="5254697"/>
+              <a:ext cx="914400" cy="914400"/>
+            </a:xfrm>
+            <a:prstGeom prst="rect">
+              <a:avLst/>
+            </a:prstGeom>
+          </p:spPr>
+        </p:pic>
+      </p:grpSp>
+      <p:grpSp>
+        <p:nvGrpSpPr>
+          <p:cNvPr id="47" name="Group 46">
+            <a:extLst>
+              <a:ext uri="{FF2B5EF4-FFF2-40B4-BE49-F238E27FC236}">
+                <a16:creationId xmlns:a16="http://schemas.microsoft.com/office/drawing/2014/main" id="{ED0AEFD7-085D-5857-1A2B-1823151A5FE5}"/>
+              </a:ext>
+            </a:extLst>
+          </p:cNvPr>
+          <p:cNvGrpSpPr/>
+          <p:nvPr/>
+        </p:nvGrpSpPr>
+        <p:grpSpPr>
+          <a:xfrm>
+            <a:off x="3598750" y="4933893"/>
+            <a:ext cx="1218819" cy="1579098"/>
+            <a:chOff x="3598750" y="4933893"/>
+            <a:chExt cx="1218819" cy="1579098"/>
+          </a:xfrm>
+        </p:grpSpPr>
+        <p:sp>
+          <p:nvSpPr>
+            <p:cNvPr id="27" name="Rectangle: Rounded Corners 26">
+              <a:extLst>
+                <a:ext uri="{FF2B5EF4-FFF2-40B4-BE49-F238E27FC236}">
+                  <a16:creationId xmlns:a16="http://schemas.microsoft.com/office/drawing/2014/main" id="{A6646EF7-29D8-BC95-582F-DBC34E64F039}"/>
+                </a:ext>
+              </a:extLst>
+            </p:cNvPr>
+            <p:cNvSpPr/>
+            <p:nvPr/>
+          </p:nvSpPr>
+          <p:spPr>
+            <a:xfrm>
+              <a:off x="3598750" y="4933893"/>
+              <a:ext cx="1218819" cy="1579098"/>
+            </a:xfrm>
+            <a:prstGeom prst="roundRect">
+              <a:avLst/>
+            </a:prstGeom>
+            <a:noFill/>
+            <a:ln w="76200">
+              <a:noFill/>
+            </a:ln>
+          </p:spPr>
+          <p:style>
+            <a:lnRef idx="2">
+              <a:schemeClr val="accent1">
+                <a:shade val="15000"/>
+              </a:schemeClr>
+            </a:lnRef>
+            <a:fillRef idx="1">
+              <a:schemeClr val="accent1"/>
+            </a:fillRef>
+            <a:effectRef idx="0">
+              <a:schemeClr val="accent1"/>
+            </a:effectRef>
+            <a:fontRef idx="minor">
+              <a:schemeClr val="lt1"/>
+            </a:fontRef>
+          </p:style>
+          <p:txBody>
+            <a:bodyPr rtlCol="0" anchor="ctr"/>
+            <a:lstStyle/>
+            <a:p>
+              <a:pPr algn="ctr"/>
+              <a:endParaRPr lang="en-GB" sz="4800" dirty="0">
+                <a:solidFill>
+                  <a:schemeClr val="tx1"/>
+                </a:solidFill>
+                <a:latin typeface="Amasis MT Pro Black" panose="02040A04050005020304" pitchFamily="18" charset="0"/>
+              </a:endParaRPr>
+            </a:p>
+          </p:txBody>
+        </p:sp>
+        <p:pic>
+          <p:nvPicPr>
+            <p:cNvPr id="41" name="Graphic 40" descr="Backpack with solid fill">
+              <a:extLst>
+                <a:ext uri="{FF2B5EF4-FFF2-40B4-BE49-F238E27FC236}">
+                  <a16:creationId xmlns:a16="http://schemas.microsoft.com/office/drawing/2014/main" id="{8EA77442-7147-3367-527B-3653E87EDAF8}"/>
+                </a:ext>
+              </a:extLst>
+            </p:cNvPr>
+            <p:cNvPicPr>
+              <a:picLocks noChangeAspect="1"/>
+            </p:cNvPicPr>
+            <p:nvPr/>
+          </p:nvPicPr>
+          <p:blipFill>
+            <a:blip r:embed="rId21">
+              <a:extLst>
+                <a:ext uri="{96DAC541-7B7A-43D3-8B79-37D633B846F1}">
+                  <asvg:svgBlip xmlns:asvg="http://schemas.microsoft.com/office/drawing/2016/SVG/main" r:embed="rId22"/>
+                </a:ext>
+              </a:extLst>
+            </a:blip>
+            <a:stretch>
+              <a:fillRect/>
+            </a:stretch>
+          </p:blipFill>
+          <p:spPr>
+            <a:xfrm>
+              <a:off x="3769248" y="5280777"/>
+              <a:ext cx="914400" cy="914400"/>
+            </a:xfrm>
+            <a:prstGeom prst="rect">
+              <a:avLst/>
+            </a:prstGeom>
+          </p:spPr>
+        </p:pic>
+      </p:grpSp>
+      <p:grpSp>
+        <p:nvGrpSpPr>
+          <p:cNvPr id="48" name="Group 47">
+            <a:extLst>
+              <a:ext uri="{FF2B5EF4-FFF2-40B4-BE49-F238E27FC236}">
+                <a16:creationId xmlns:a16="http://schemas.microsoft.com/office/drawing/2014/main" id="{B586D2CE-6DAD-C2C3-EB8E-5F44BD9C53BA}"/>
+              </a:ext>
+            </a:extLst>
+          </p:cNvPr>
+          <p:cNvGrpSpPr/>
+          <p:nvPr/>
+        </p:nvGrpSpPr>
+        <p:grpSpPr>
+          <a:xfrm>
+            <a:off x="5305630" y="4933893"/>
+            <a:ext cx="1218819" cy="1579098"/>
+            <a:chOff x="5305630" y="4933893"/>
+            <a:chExt cx="1218819" cy="1579098"/>
+          </a:xfrm>
+        </p:grpSpPr>
+        <p:sp>
+          <p:nvSpPr>
+            <p:cNvPr id="21" name="Rectangle: Rounded Corners 20">
+              <a:extLst>
+                <a:ext uri="{FF2B5EF4-FFF2-40B4-BE49-F238E27FC236}">
+                  <a16:creationId xmlns:a16="http://schemas.microsoft.com/office/drawing/2014/main" id="{6091BF56-493F-7831-C927-8C950800E2DB}"/>
+                </a:ext>
+              </a:extLst>
+            </p:cNvPr>
+            <p:cNvSpPr/>
+            <p:nvPr/>
+          </p:nvSpPr>
+          <p:spPr>
+            <a:xfrm>
+              <a:off x="5305630" y="4933893"/>
+              <a:ext cx="1218819" cy="1579098"/>
+            </a:xfrm>
+            <a:prstGeom prst="roundRect">
+              <a:avLst/>
+            </a:prstGeom>
+            <a:noFill/>
+            <a:ln w="76200">
+              <a:noFill/>
+            </a:ln>
+          </p:spPr>
+          <p:style>
+            <a:lnRef idx="2">
+              <a:schemeClr val="accent1">
+                <a:shade val="15000"/>
+              </a:schemeClr>
+            </a:lnRef>
+            <a:fillRef idx="1">
+              <a:schemeClr val="accent1"/>
+            </a:fillRef>
+            <a:effectRef idx="0">
+              <a:schemeClr val="accent1"/>
+            </a:effectRef>
+            <a:fontRef idx="minor">
+              <a:schemeClr val="lt1"/>
+            </a:fontRef>
+          </p:style>
+          <p:txBody>
+            <a:bodyPr rtlCol="0" anchor="ctr"/>
+            <a:lstStyle/>
+            <a:p>
+              <a:pPr algn="ctr"/>
+              <a:endParaRPr lang="en-GB" sz="4800" dirty="0">
+                <a:solidFill>
+                  <a:schemeClr val="tx1"/>
+                </a:solidFill>
+                <a:latin typeface="Amasis MT Pro Black" panose="02040A04050005020304" pitchFamily="18" charset="0"/>
+              </a:endParaRPr>
+            </a:p>
+          </p:txBody>
+        </p:sp>
+        <p:pic>
+          <p:nvPicPr>
+            <p:cNvPr id="43" name="Graphic 42" descr="Bunny face with solid fill">
+              <a:extLst>
+                <a:ext uri="{FF2B5EF4-FFF2-40B4-BE49-F238E27FC236}">
+                  <a16:creationId xmlns:a16="http://schemas.microsoft.com/office/drawing/2014/main" id="{765639DD-4559-9DE3-B6EF-F88DCD7BA890}"/>
+                </a:ext>
+              </a:extLst>
+            </p:cNvPr>
+            <p:cNvPicPr>
+              <a:picLocks noChangeAspect="1"/>
+            </p:cNvPicPr>
+            <p:nvPr/>
+          </p:nvPicPr>
+          <p:blipFill>
+            <a:blip r:embed="rId23">
+              <a:extLst>
+                <a:ext uri="{96DAC541-7B7A-43D3-8B79-37D633B846F1}">
+                  <asvg:svgBlip xmlns:asvg="http://schemas.microsoft.com/office/drawing/2016/SVG/main" r:embed="rId24"/>
+                </a:ext>
+              </a:extLst>
+            </a:blip>
+            <a:stretch>
+              <a:fillRect/>
+            </a:stretch>
+          </p:blipFill>
+          <p:spPr>
+            <a:xfrm>
+              <a:off x="5474400" y="5235411"/>
+              <a:ext cx="914400" cy="914400"/>
+            </a:xfrm>
+            <a:prstGeom prst="rect">
+              <a:avLst/>
+            </a:prstGeom>
+          </p:spPr>
+        </p:pic>
+      </p:grpSp>
+      <p:grpSp>
+        <p:nvGrpSpPr>
+          <p:cNvPr id="46" name="Group 45">
+            <a:extLst>
+              <a:ext uri="{FF2B5EF4-FFF2-40B4-BE49-F238E27FC236}">
+                <a16:creationId xmlns:a16="http://schemas.microsoft.com/office/drawing/2014/main" id="{DA98B92F-F5BC-1D52-0867-8AEC2ACE456E}"/>
+              </a:ext>
+            </a:extLst>
+          </p:cNvPr>
+          <p:cNvGrpSpPr/>
+          <p:nvPr/>
+        </p:nvGrpSpPr>
+        <p:grpSpPr>
+          <a:xfrm>
+            <a:off x="1791285" y="4933893"/>
+            <a:ext cx="1218819" cy="1579098"/>
+            <a:chOff x="1791285" y="4933893"/>
+            <a:chExt cx="1218819" cy="1579098"/>
+          </a:xfrm>
+        </p:grpSpPr>
+        <p:sp>
+          <p:nvSpPr>
+            <p:cNvPr id="3" name="Rectangle: Rounded Corners 2">
+              <a:extLst>
+                <a:ext uri="{FF2B5EF4-FFF2-40B4-BE49-F238E27FC236}">
+                  <a16:creationId xmlns:a16="http://schemas.microsoft.com/office/drawing/2014/main" id="{99CE88C0-25E4-5436-EACC-02BBD741598A}"/>
+                </a:ext>
+              </a:extLst>
+            </p:cNvPr>
+            <p:cNvSpPr/>
+            <p:nvPr/>
+          </p:nvSpPr>
+          <p:spPr>
+            <a:xfrm>
+              <a:off x="1791285" y="4933893"/>
+              <a:ext cx="1218819" cy="1579098"/>
+            </a:xfrm>
+            <a:prstGeom prst="roundRect">
+              <a:avLst/>
+            </a:prstGeom>
+            <a:noFill/>
+            <a:ln w="76200">
+              <a:noFill/>
+            </a:ln>
+          </p:spPr>
+          <p:style>
+            <a:lnRef idx="2">
+              <a:schemeClr val="accent1">
+                <a:shade val="15000"/>
+              </a:schemeClr>
+            </a:lnRef>
+            <a:fillRef idx="1">
+              <a:schemeClr val="accent1"/>
+            </a:fillRef>
+            <a:effectRef idx="0">
+              <a:schemeClr val="accent1"/>
+            </a:effectRef>
+            <a:fontRef idx="minor">
+              <a:schemeClr val="lt1"/>
+            </a:fontRef>
+          </p:style>
+          <p:txBody>
+            <a:bodyPr rtlCol="0" anchor="ctr"/>
+            <a:lstStyle/>
+            <a:p>
+              <a:pPr algn="ctr"/>
+              <a:endParaRPr lang="en-GB" sz="4800" dirty="0">
+                <a:solidFill>
+                  <a:schemeClr val="tx1"/>
+                </a:solidFill>
+                <a:latin typeface="Amasis MT Pro Black" panose="02040A04050005020304" pitchFamily="18" charset="0"/>
+              </a:endParaRPr>
+            </a:p>
+          </p:txBody>
+        </p:sp>
+        <p:pic>
+          <p:nvPicPr>
+            <p:cNvPr id="45" name="Graphic 44" descr="Crab with solid fill">
+              <a:extLst>
+                <a:ext uri="{FF2B5EF4-FFF2-40B4-BE49-F238E27FC236}">
+                  <a16:creationId xmlns:a16="http://schemas.microsoft.com/office/drawing/2014/main" id="{D22A5D21-690F-1FE1-098D-5D4D836837DE}"/>
+                </a:ext>
+              </a:extLst>
+            </p:cNvPr>
+            <p:cNvPicPr>
+              <a:picLocks noChangeAspect="1"/>
+            </p:cNvPicPr>
+            <p:nvPr/>
+          </p:nvPicPr>
+          <p:blipFill>
+            <a:blip r:embed="rId25">
+              <a:extLst>
+                <a:ext uri="{96DAC541-7B7A-43D3-8B79-37D633B846F1}">
+                  <asvg:svgBlip xmlns:asvg="http://schemas.microsoft.com/office/drawing/2016/SVG/main" r:embed="rId26"/>
+                </a:ext>
+              </a:extLst>
+            </a:blip>
+            <a:stretch>
+              <a:fillRect/>
+            </a:stretch>
+          </p:blipFill>
+          <p:spPr>
+            <a:xfrm>
+              <a:off x="1959356" y="5280777"/>
+              <a:ext cx="914400" cy="914400"/>
+            </a:xfrm>
+            <a:prstGeom prst="rect">
+              <a:avLst/>
+            </a:prstGeom>
+          </p:spPr>
+        </p:pic>
+      </p:grpSp>
+    </p:spTree>
+    <p:extLst>
+      <p:ext uri="{BB962C8B-B14F-4D97-AF65-F5344CB8AC3E}">
+        <p14:creationId xmlns:p14="http://schemas.microsoft.com/office/powerpoint/2010/main" val="1156164417"/>
       </p:ext>
     </p:extLst>
   </p:cSld>
@@ -4042,4 +6342,319 @@
     </a:ext>
   </a:extLst>
 </a:theme>
+</file>
+
+<file path=ppt/theme/theme2.xml><?xml version="1.0" encoding="utf-8"?>
+<a:theme xmlns:a="http://schemas.openxmlformats.org/drawingml/2006/main" name="Office Theme">
+  <a:themeElements>
+    <a:clrScheme name="Office">
+      <a:dk1>
+        <a:sysClr val="windowText" lastClr="000000"/>
+      </a:dk1>
+      <a:lt1>
+        <a:sysClr val="window" lastClr="FFFFFF"/>
+      </a:lt1>
+      <a:dk2>
+        <a:srgbClr val="0E2841"/>
+      </a:dk2>
+      <a:lt2>
+        <a:srgbClr val="E8E8E8"/>
+      </a:lt2>
+      <a:accent1>
+        <a:srgbClr val="156082"/>
+      </a:accent1>
+      <a:accent2>
+        <a:srgbClr val="E97132"/>
+      </a:accent2>
+      <a:accent3>
+        <a:srgbClr val="196B24"/>
+      </a:accent3>
+      <a:accent4>
+        <a:srgbClr val="0F9ED5"/>
+      </a:accent4>
+      <a:accent5>
+        <a:srgbClr val="A02B93"/>
+      </a:accent5>
+      <a:accent6>
+        <a:srgbClr val="4EA72E"/>
+      </a:accent6>
+      <a:hlink>
+        <a:srgbClr val="467886"/>
+      </a:hlink>
+      <a:folHlink>
+        <a:srgbClr val="96607D"/>
+      </a:folHlink>
+    </a:clrScheme>
+    <a:fontScheme name="Office">
+      <a:majorFont>
+        <a:latin typeface="Aptos Display" panose="02110004020202020204"/>
+        <a:ea typeface=""/>
+        <a:cs typeface=""/>
+        <a:font script="Jpan" typeface="游ゴシック Light"/>
+        <a:font script="Hang" typeface="맑은 고딕"/>
+        <a:font script="Hans" typeface="等线 Light"/>
+        <a:font script="Hant" typeface="新細明體"/>
+        <a:font script="Arab" typeface="Times New Roman"/>
+        <a:font script="Hebr" typeface="Times New Roman"/>
+        <a:font script="Thai" typeface="Angsana New"/>
+        <a:font script="Ethi" typeface="Nyala"/>
+        <a:font script="Beng" typeface="Vrinda"/>
+        <a:font script="Gujr" typeface="Shruti"/>
+        <a:font script="Khmr" typeface="MoolBoran"/>
+        <a:font script="Knda" typeface="Tunga"/>
+        <a:font script="Guru" typeface="Raavi"/>
+        <a:font script="Cans" typeface="Euphemia"/>
+        <a:font script="Cher" typeface="Plantagenet Cherokee"/>
+        <a:font script="Yiii" typeface="Microsoft Yi Baiti"/>
+        <a:font script="Tibt" typeface="Microsoft Himalaya"/>
+        <a:font script="Thaa" typeface="MV Boli"/>
+        <a:font script="Deva" typeface="Mangal"/>
+        <a:font script="Telu" typeface="Gautami"/>
+        <a:font script="Taml" typeface="Latha"/>
+        <a:font script="Syrc" typeface="Estrangelo Edessa"/>
+        <a:font script="Orya" typeface="Kalinga"/>
+        <a:font script="Mlym" typeface="Kartika"/>
+        <a:font script="Laoo" typeface="DokChampa"/>
+        <a:font script="Sinh" typeface="Iskoola Pota"/>
+        <a:font script="Mong" typeface="Mongolian Baiti"/>
+        <a:font script="Viet" typeface="Times New Roman"/>
+        <a:font script="Uigh" typeface="Microsoft Uighur"/>
+        <a:font script="Geor" typeface="Sylfaen"/>
+        <a:font script="Armn" typeface="Arial"/>
+        <a:font script="Bugi" typeface="Leelawadee UI"/>
+        <a:font script="Bopo" typeface="Microsoft JhengHei"/>
+        <a:font script="Java" typeface="Javanese Text"/>
+        <a:font script="Lisu" typeface="Segoe UI"/>
+        <a:font script="Mymr" typeface="Myanmar Text"/>
+        <a:font script="Nkoo" typeface="Ebrima"/>
+        <a:font script="Olck" typeface="Nirmala UI"/>
+        <a:font script="Osma" typeface="Ebrima"/>
+        <a:font script="Phag" typeface="Phagspa"/>
+        <a:font script="Syrn" typeface="Estrangelo Edessa"/>
+        <a:font script="Syrj" typeface="Estrangelo Edessa"/>
+        <a:font script="Syre" typeface="Estrangelo Edessa"/>
+        <a:font script="Sora" typeface="Nirmala UI"/>
+        <a:font script="Tale" typeface="Microsoft Tai Le"/>
+        <a:font script="Talu" typeface="Microsoft New Tai Lue"/>
+        <a:font script="Tfng" typeface="Ebrima"/>
+      </a:majorFont>
+      <a:minorFont>
+        <a:latin typeface="Aptos" panose="02110004020202020204"/>
+        <a:ea typeface=""/>
+        <a:cs typeface=""/>
+        <a:font script="Jpan" typeface="游ゴシック"/>
+        <a:font script="Hang" typeface="맑은 고딕"/>
+        <a:font script="Hans" typeface="等线"/>
+        <a:font script="Hant" typeface="新細明體"/>
+        <a:font script="Arab" typeface="Arial"/>
+        <a:font script="Hebr" typeface="Arial"/>
+        <a:font script="Thai" typeface="Cordia New"/>
+        <a:font script="Ethi" typeface="Nyala"/>
+        <a:font script="Beng" typeface="Vrinda"/>
+        <a:font script="Gujr" typeface="Shruti"/>
+        <a:font script="Khmr" typeface="DaunPenh"/>
+        <a:font script="Knda" typeface="Tunga"/>
+        <a:font script="Guru" typeface="Raavi"/>
+        <a:font script="Cans" typeface="Euphemia"/>
+        <a:font script="Cher" typeface="Plantagenet Cherokee"/>
+        <a:font script="Yiii" typeface="Microsoft Yi Baiti"/>
+        <a:font script="Tibt" typeface="Microsoft Himalaya"/>
+        <a:font script="Thaa" typeface="MV Boli"/>
+        <a:font script="Deva" typeface="Mangal"/>
+        <a:font script="Telu" typeface="Gautami"/>
+        <a:font script="Taml" typeface="Latha"/>
+        <a:font script="Syrc" typeface="Estrangelo Edessa"/>
+        <a:font script="Orya" typeface="Kalinga"/>
+        <a:font script="Mlym" typeface="Kartika"/>
+        <a:font script="Laoo" typeface="DokChampa"/>
+        <a:font script="Sinh" typeface="Iskoola Pota"/>
+        <a:font script="Mong" typeface="Mongolian Baiti"/>
+        <a:font script="Viet" typeface="Arial"/>
+        <a:font script="Uigh" typeface="Microsoft Uighur"/>
+        <a:font script="Geor" typeface="Sylfaen"/>
+        <a:font script="Armn" typeface="Arial"/>
+        <a:font script="Bugi" typeface="Leelawadee UI"/>
+        <a:font script="Bopo" typeface="Microsoft JhengHei"/>
+        <a:font script="Java" typeface="Javanese Text"/>
+        <a:font script="Lisu" typeface="Segoe UI"/>
+        <a:font script="Mymr" typeface="Myanmar Text"/>
+        <a:font script="Nkoo" typeface="Ebrima"/>
+        <a:font script="Olck" typeface="Nirmala UI"/>
+        <a:font script="Osma" typeface="Ebrima"/>
+        <a:font script="Phag" typeface="Phagspa"/>
+        <a:font script="Syrn" typeface="Estrangelo Edessa"/>
+        <a:font script="Syrj" typeface="Estrangelo Edessa"/>
+        <a:font script="Syre" typeface="Estrangelo Edessa"/>
+        <a:font script="Sora" typeface="Nirmala UI"/>
+        <a:font script="Tale" typeface="Microsoft Tai Le"/>
+        <a:font script="Talu" typeface="Microsoft New Tai Lue"/>
+        <a:font script="Tfng" typeface="Ebrima"/>
+      </a:minorFont>
+    </a:fontScheme>
+    <a:fmtScheme name="Office">
+      <a:fillStyleLst>
+        <a:solidFill>
+          <a:schemeClr val="phClr"/>
+        </a:solidFill>
+        <a:gradFill rotWithShape="1">
+          <a:gsLst>
+            <a:gs pos="0">
+              <a:schemeClr val="phClr">
+                <a:lumMod val="110000"/>
+                <a:satMod val="105000"/>
+                <a:tint val="67000"/>
+              </a:schemeClr>
+            </a:gs>
+            <a:gs pos="50000">
+              <a:schemeClr val="phClr">
+                <a:lumMod val="105000"/>
+                <a:satMod val="103000"/>
+                <a:tint val="73000"/>
+              </a:schemeClr>
+            </a:gs>
+            <a:gs pos="100000">
+              <a:schemeClr val="phClr">
+                <a:lumMod val="105000"/>
+                <a:satMod val="109000"/>
+                <a:tint val="81000"/>
+              </a:schemeClr>
+            </a:gs>
+          </a:gsLst>
+          <a:lin ang="5400000" scaled="0"/>
+        </a:gradFill>
+        <a:gradFill rotWithShape="1">
+          <a:gsLst>
+            <a:gs pos="0">
+              <a:schemeClr val="phClr">
+                <a:satMod val="103000"/>
+                <a:lumMod val="102000"/>
+                <a:tint val="94000"/>
+              </a:schemeClr>
+            </a:gs>
+            <a:gs pos="50000">
+              <a:schemeClr val="phClr">
+                <a:satMod val="110000"/>
+                <a:lumMod val="100000"/>
+                <a:shade val="100000"/>
+              </a:schemeClr>
+            </a:gs>
+            <a:gs pos="100000">
+              <a:schemeClr val="phClr">
+                <a:lumMod val="99000"/>
+                <a:satMod val="120000"/>
+                <a:shade val="78000"/>
+              </a:schemeClr>
+            </a:gs>
+          </a:gsLst>
+          <a:lin ang="5400000" scaled="0"/>
+        </a:gradFill>
+      </a:fillStyleLst>
+      <a:lnStyleLst>
+        <a:ln w="12700" cap="flat" cmpd="sng" algn="ctr">
+          <a:solidFill>
+            <a:schemeClr val="phClr"/>
+          </a:solidFill>
+          <a:prstDash val="solid"/>
+          <a:miter lim="800000"/>
+        </a:ln>
+        <a:ln w="19050" cap="flat" cmpd="sng" algn="ctr">
+          <a:solidFill>
+            <a:schemeClr val="phClr"/>
+          </a:solidFill>
+          <a:prstDash val="solid"/>
+          <a:miter lim="800000"/>
+        </a:ln>
+        <a:ln w="25400" cap="flat" cmpd="sng" algn="ctr">
+          <a:solidFill>
+            <a:schemeClr val="phClr"/>
+          </a:solidFill>
+          <a:prstDash val="solid"/>
+          <a:miter lim="800000"/>
+        </a:ln>
+      </a:lnStyleLst>
+      <a:effectStyleLst>
+        <a:effectStyle>
+          <a:effectLst/>
+        </a:effectStyle>
+        <a:effectStyle>
+          <a:effectLst/>
+        </a:effectStyle>
+        <a:effectStyle>
+          <a:effectLst>
+            <a:outerShdw blurRad="57150" dist="19050" dir="5400000" algn="ctr" rotWithShape="0">
+              <a:srgbClr val="000000">
+                <a:alpha val="63000"/>
+              </a:srgbClr>
+            </a:outerShdw>
+          </a:effectLst>
+        </a:effectStyle>
+      </a:effectStyleLst>
+      <a:bgFillStyleLst>
+        <a:solidFill>
+          <a:schemeClr val="phClr"/>
+        </a:solidFill>
+        <a:solidFill>
+          <a:schemeClr val="phClr">
+            <a:tint val="95000"/>
+            <a:satMod val="170000"/>
+          </a:schemeClr>
+        </a:solidFill>
+        <a:gradFill rotWithShape="1">
+          <a:gsLst>
+            <a:gs pos="0">
+              <a:schemeClr val="phClr">
+                <a:tint val="93000"/>
+                <a:satMod val="150000"/>
+                <a:shade val="98000"/>
+                <a:lumMod val="102000"/>
+              </a:schemeClr>
+            </a:gs>
+            <a:gs pos="50000">
+              <a:schemeClr val="phClr">
+                <a:tint val="98000"/>
+                <a:satMod val="130000"/>
+                <a:shade val="90000"/>
+                <a:lumMod val="103000"/>
+              </a:schemeClr>
+            </a:gs>
+            <a:gs pos="100000">
+              <a:schemeClr val="phClr">
+                <a:shade val="63000"/>
+                <a:satMod val="120000"/>
+              </a:schemeClr>
+            </a:gs>
+          </a:gsLst>
+          <a:lin ang="5400000" scaled="0"/>
+        </a:gradFill>
+      </a:bgFillStyleLst>
+    </a:fmtScheme>
+  </a:themeElements>
+  <a:objectDefaults>
+    <a:lnDef>
+      <a:spPr/>
+      <a:bodyPr/>
+      <a:lstStyle/>
+      <a:style>
+        <a:lnRef idx="2">
+          <a:schemeClr val="accent1"/>
+        </a:lnRef>
+        <a:fillRef idx="0">
+          <a:schemeClr val="accent1"/>
+        </a:fillRef>
+        <a:effectRef idx="1">
+          <a:schemeClr val="accent1"/>
+        </a:effectRef>
+        <a:fontRef idx="minor">
+          <a:schemeClr val="tx1"/>
+        </a:fontRef>
+      </a:style>
+    </a:lnDef>
+  </a:objectDefaults>
+  <a:extraClrSchemeLst/>
+  <a:extLst>
+    <a:ext uri="{05A4C25C-085E-4340-85A3-A5531E510DB2}">
+      <thm15:themeFamily xmlns:thm15="http://schemas.microsoft.com/office/thememl/2012/main" name="Office Theme" id="{2E142A2C-CD16-42D6-873A-C26D2A0506FA}" vid="{1BDDFF52-6CD6-40A5-AB3C-68EB2F1E4D0A}"/>
+    </a:ext>
+  </a:extLst>
+</a:theme>
 </file>